--- a/演習シート.pptx
+++ b/演習シート.pptx
@@ -9,7 +9,8 @@
     <p:sldId id="259" r:id="rId3"/>
     <p:sldId id="260" r:id="rId4"/>
     <p:sldId id="261" r:id="rId5"/>
-    <p:sldId id="265" r:id="rId6"/>
+    <p:sldId id="266" r:id="rId6"/>
+    <p:sldId id="265" r:id="rId7"/>
   </p:sldIdLst>
   <p:sldSz cx="9144000" cy="5140325"/>
   <p:notesSz cx="6858000" cy="9144000"/>
@@ -120,8 +121,8 @@
 <pc:chgInfo xmlns:a="http://schemas.openxmlformats.org/drawingml/2006/main" xmlns:r="http://schemas.openxmlformats.org/officeDocument/2006/relationships" xmlns:ac="http://schemas.microsoft.com/office/drawing/2013/main/command" xmlns:pc="http://schemas.microsoft.com/office/powerpoint/2013/main/command">
   <pc:docChgLst>
     <pc:chgData name="Tsutomu Miyoshi" userId="fe6f8acd26053060" providerId="LiveId" clId="{E930BC1F-17B5-4D0D-8371-5C37A20692C2}"/>
-    <pc:docChg chg="custSel modSld">
-      <pc:chgData name="Tsutomu Miyoshi" userId="fe6f8acd26053060" providerId="LiveId" clId="{E930BC1F-17B5-4D0D-8371-5C37A20692C2}" dt="2024-11-12T08:04:59.134" v="1224"/>
+    <pc:docChg chg="custSel addSld modSld sldOrd">
+      <pc:chgData name="Tsutomu Miyoshi" userId="fe6f8acd26053060" providerId="LiveId" clId="{E930BC1F-17B5-4D0D-8371-5C37A20692C2}" dt="2024-11-12T12:52:46.283" v="2318" actId="255"/>
       <pc:docMkLst>
         <pc:docMk/>
       </pc:docMkLst>
@@ -271,6 +272,115 @@
             <pc:docMk/>
             <pc:sldMk cId="1621468614" sldId="260"/>
             <ac:spMk id="24" creationId="{2F27E037-9E4F-209C-95D5-F92017DCE077}"/>
+          </ac:spMkLst>
+        </pc:spChg>
+      </pc:sldChg>
+      <pc:sldChg chg="modSp mod">
+        <pc:chgData name="Tsutomu Miyoshi" userId="fe6f8acd26053060" providerId="LiveId" clId="{E930BC1F-17B5-4D0D-8371-5C37A20692C2}" dt="2024-11-12T12:00:29.683" v="1503"/>
+        <pc:sldMkLst>
+          <pc:docMk/>
+          <pc:sldMk cId="3008161086" sldId="261"/>
+        </pc:sldMkLst>
+        <pc:spChg chg="mod">
+          <ac:chgData name="Tsutomu Miyoshi" userId="fe6f8acd26053060" providerId="LiveId" clId="{E930BC1F-17B5-4D0D-8371-5C37A20692C2}" dt="2024-11-12T11:56:47.171" v="1303"/>
+          <ac:spMkLst>
+            <pc:docMk/>
+            <pc:sldMk cId="3008161086" sldId="261"/>
+            <ac:spMk id="14" creationId="{5527846B-D037-2679-73C7-E15B51A0F48B}"/>
+          </ac:spMkLst>
+        </pc:spChg>
+        <pc:spChg chg="mod">
+          <ac:chgData name="Tsutomu Miyoshi" userId="fe6f8acd26053060" providerId="LiveId" clId="{E930BC1F-17B5-4D0D-8371-5C37A20692C2}" dt="2024-11-12T11:57:11.480" v="1320"/>
+          <ac:spMkLst>
+            <pc:docMk/>
+            <pc:sldMk cId="3008161086" sldId="261"/>
+            <ac:spMk id="15" creationId="{7BA90B65-B9C9-3EBA-3595-3937F614E5E8}"/>
+          </ac:spMkLst>
+        </pc:spChg>
+        <pc:spChg chg="mod">
+          <ac:chgData name="Tsutomu Miyoshi" userId="fe6f8acd26053060" providerId="LiveId" clId="{E930BC1F-17B5-4D0D-8371-5C37A20692C2}" dt="2024-11-12T11:58:31.650" v="1402" actId="20577"/>
+          <ac:spMkLst>
+            <pc:docMk/>
+            <pc:sldMk cId="3008161086" sldId="261"/>
+            <ac:spMk id="17" creationId="{2DA15249-A281-DE00-8807-EF972A7046C0}"/>
+          </ac:spMkLst>
+        </pc:spChg>
+        <pc:spChg chg="mod">
+          <ac:chgData name="Tsutomu Miyoshi" userId="fe6f8acd26053060" providerId="LiveId" clId="{E930BC1F-17B5-4D0D-8371-5C37A20692C2}" dt="2024-11-12T12:00:07.975" v="1502" actId="20577"/>
+          <ac:spMkLst>
+            <pc:docMk/>
+            <pc:sldMk cId="3008161086" sldId="261"/>
+            <ac:spMk id="18" creationId="{4D61DC54-2457-E739-5968-DBB7C0282652}"/>
+          </ac:spMkLst>
+        </pc:spChg>
+        <pc:spChg chg="mod">
+          <ac:chgData name="Tsutomu Miyoshi" userId="fe6f8acd26053060" providerId="LiveId" clId="{E930BC1F-17B5-4D0D-8371-5C37A20692C2}" dt="2024-11-12T11:57:22.887" v="1321"/>
+          <ac:spMkLst>
+            <pc:docMk/>
+            <pc:sldMk cId="3008161086" sldId="261"/>
+            <ac:spMk id="19" creationId="{24E22EB3-ABA2-5FE7-40A9-B8B9BA27E1E7}"/>
+          </ac:spMkLst>
+        </pc:spChg>
+        <pc:spChg chg="mod">
+          <ac:chgData name="Tsutomu Miyoshi" userId="fe6f8acd26053060" providerId="LiveId" clId="{E930BC1F-17B5-4D0D-8371-5C37A20692C2}" dt="2024-11-12T11:57:35.371" v="1341"/>
+          <ac:spMkLst>
+            <pc:docMk/>
+            <pc:sldMk cId="3008161086" sldId="261"/>
+            <ac:spMk id="20" creationId="{67FBF350-31A2-72EC-11A2-1CECF7F40987}"/>
+          </ac:spMkLst>
+        </pc:spChg>
+        <pc:spChg chg="mod">
+          <ac:chgData name="Tsutomu Miyoshi" userId="fe6f8acd26053060" providerId="LiveId" clId="{E930BC1F-17B5-4D0D-8371-5C37A20692C2}" dt="2024-11-12T12:00:29.683" v="1503"/>
+          <ac:spMkLst>
+            <pc:docMk/>
+            <pc:sldMk cId="3008161086" sldId="261"/>
+            <ac:spMk id="21" creationId="{4B5A89CC-DAC1-B3E9-2F79-F76F1262550C}"/>
+          </ac:spMkLst>
+        </pc:spChg>
+      </pc:sldChg>
+      <pc:sldChg chg="addSp modSp mod">
+        <pc:chgData name="Tsutomu Miyoshi" userId="fe6f8acd26053060" providerId="LiveId" clId="{E930BC1F-17B5-4D0D-8371-5C37A20692C2}" dt="2024-11-12T12:52:46.283" v="2318" actId="255"/>
+        <pc:sldMkLst>
+          <pc:docMk/>
+          <pc:sldMk cId="36932963" sldId="265"/>
+        </pc:sldMkLst>
+        <pc:spChg chg="add mod">
+          <ac:chgData name="Tsutomu Miyoshi" userId="fe6f8acd26053060" providerId="LiveId" clId="{E930BC1F-17B5-4D0D-8371-5C37A20692C2}" dt="2024-11-12T12:52:46.283" v="2318" actId="255"/>
+          <ac:spMkLst>
+            <pc:docMk/>
+            <pc:sldMk cId="36932963" sldId="265"/>
+            <ac:spMk id="4" creationId="{E91E6564-7F64-F099-15BF-E5B3BFAE581E}"/>
+          </ac:spMkLst>
+        </pc:spChg>
+        <pc:graphicFrameChg chg="mod modGraphic">
+          <ac:chgData name="Tsutomu Miyoshi" userId="fe6f8acd26053060" providerId="LiveId" clId="{E930BC1F-17B5-4D0D-8371-5C37A20692C2}" dt="2024-11-12T12:52:23.924" v="2313" actId="1076"/>
+          <ac:graphicFrameMkLst>
+            <pc:docMk/>
+            <pc:sldMk cId="36932963" sldId="265"/>
+            <ac:graphicFrameMk id="3" creationId="{2D6AE0DF-ACF2-83E4-D352-8098E1E5722A}"/>
+          </ac:graphicFrameMkLst>
+        </pc:graphicFrameChg>
+      </pc:sldChg>
+      <pc:sldChg chg="modSp add mod ord">
+        <pc:chgData name="Tsutomu Miyoshi" userId="fe6f8acd26053060" providerId="LiveId" clId="{E930BC1F-17B5-4D0D-8371-5C37A20692C2}" dt="2024-11-12T12:11:07.182" v="1658"/>
+        <pc:sldMkLst>
+          <pc:docMk/>
+          <pc:sldMk cId="3136800061" sldId="266"/>
+        </pc:sldMkLst>
+        <pc:spChg chg="mod">
+          <ac:chgData name="Tsutomu Miyoshi" userId="fe6f8acd26053060" providerId="LiveId" clId="{E930BC1F-17B5-4D0D-8371-5C37A20692C2}" dt="2024-11-12T12:11:07.182" v="1658"/>
+          <ac:spMkLst>
+            <pc:docMk/>
+            <pc:sldMk cId="3136800061" sldId="266"/>
+            <ac:spMk id="23" creationId="{A8284CCE-3A84-2830-C7A4-BF4125E24084}"/>
+          </ac:spMkLst>
+        </pc:spChg>
+        <pc:spChg chg="mod">
+          <ac:chgData name="Tsutomu Miyoshi" userId="fe6f8acd26053060" providerId="LiveId" clId="{E930BC1F-17B5-4D0D-8371-5C37A20692C2}" dt="2024-11-12T12:08:46.078" v="1522" actId="20577"/>
+          <ac:spMkLst>
+            <pc:docMk/>
+            <pc:sldMk cId="3136800061" sldId="266"/>
+            <ac:spMk id="24" creationId="{D5ABE755-F315-A167-69DA-7772C8C26AED}"/>
           </ac:spMkLst>
         </pc:spChg>
       </pc:sldChg>
@@ -6701,6 +6811,72 @@
               </a:rPr>
               <a:t>「シグネイトプロテイン」の売上増加率が目標に達しなかったのはなぜなのか？</a:t>
             </a:r>
+            <a:endParaRPr kumimoji="1" lang="en-US" altLang="ja-JP" sz="1200" dirty="0">
+              <a:latin typeface="メイリオ" panose="020B0604030504040204" pitchFamily="50" charset="-128"/>
+              <a:ea typeface="メイリオ" panose="020B0604030504040204" pitchFamily="50" charset="-128"/>
+            </a:endParaRPr>
+          </a:p>
+          <a:p>
+            <a:r>
+              <a:rPr kumimoji="1" lang="en-US" altLang="ja-JP" sz="1200" dirty="0">
+                <a:latin typeface="メイリオ" panose="020B0604030504040204" pitchFamily="50" charset="-128"/>
+                <a:ea typeface="メイリオ" panose="020B0604030504040204" pitchFamily="50" charset="-128"/>
+              </a:rPr>
+              <a:t>10</a:t>
+            </a:r>
+            <a:r>
+              <a:rPr kumimoji="1" lang="ja-JP" altLang="en-US" sz="1200" dirty="0">
+                <a:latin typeface="メイリオ" panose="020B0604030504040204" pitchFamily="50" charset="-128"/>
+                <a:ea typeface="メイリオ" panose="020B0604030504040204" pitchFamily="50" charset="-128"/>
+              </a:rPr>
+              <a:t>～</a:t>
+            </a:r>
+            <a:r>
+              <a:rPr kumimoji="1" lang="en-US" altLang="ja-JP" sz="1200" dirty="0">
+                <a:latin typeface="メイリオ" panose="020B0604030504040204" pitchFamily="50" charset="-128"/>
+                <a:ea typeface="メイリオ" panose="020B0604030504040204" pitchFamily="50" charset="-128"/>
+              </a:rPr>
+              <a:t>20</a:t>
+            </a:r>
+            <a:r>
+              <a:rPr kumimoji="1" lang="ja-JP" altLang="en-US" sz="1200" dirty="0">
+                <a:latin typeface="メイリオ" panose="020B0604030504040204" pitchFamily="50" charset="-128"/>
+                <a:ea typeface="メイリオ" panose="020B0604030504040204" pitchFamily="50" charset="-128"/>
+              </a:rPr>
+              <a:t>歳では増加傾向だが、</a:t>
+            </a:r>
+            <a:r>
+              <a:rPr kumimoji="1" lang="en-US" altLang="ja-JP" sz="1200" dirty="0">
+                <a:latin typeface="メイリオ" panose="020B0604030504040204" pitchFamily="50" charset="-128"/>
+                <a:ea typeface="メイリオ" panose="020B0604030504040204" pitchFamily="50" charset="-128"/>
+              </a:rPr>
+              <a:t>20</a:t>
+            </a:r>
+            <a:r>
+              <a:rPr kumimoji="1" lang="ja-JP" altLang="en-US" sz="1200" dirty="0">
+                <a:latin typeface="メイリオ" panose="020B0604030504040204" pitchFamily="50" charset="-128"/>
+                <a:ea typeface="メイリオ" panose="020B0604030504040204" pitchFamily="50" charset="-128"/>
+              </a:rPr>
+              <a:t>～</a:t>
+            </a:r>
+            <a:r>
+              <a:rPr kumimoji="1" lang="en-US" altLang="ja-JP" sz="1200" dirty="0">
+                <a:latin typeface="メイリオ" panose="020B0604030504040204" pitchFamily="50" charset="-128"/>
+                <a:ea typeface="メイリオ" panose="020B0604030504040204" pitchFamily="50" charset="-128"/>
+              </a:rPr>
+              <a:t>30</a:t>
+            </a:r>
+            <a:r>
+              <a:rPr kumimoji="1" lang="ja-JP" altLang="en-US" sz="1200" dirty="0">
+                <a:latin typeface="メイリオ" panose="020B0604030504040204" pitchFamily="50" charset="-128"/>
+                <a:ea typeface="メイリオ" panose="020B0604030504040204" pitchFamily="50" charset="-128"/>
+              </a:rPr>
+              <a:t>歳は減少傾向</a:t>
+            </a:r>
+            <a:endParaRPr kumimoji="1" lang="en-US" altLang="ja-JP" sz="1200" dirty="0">
+              <a:latin typeface="メイリオ" panose="020B0604030504040204" pitchFamily="50" charset="-128"/>
+              <a:ea typeface="メイリオ" panose="020B0604030504040204" pitchFamily="50" charset="-128"/>
+            </a:endParaRPr>
           </a:p>
         </p:txBody>
       </p:sp>
@@ -6745,13 +6921,16 @@
           <a:lstStyle/>
           <a:p>
             <a:pPr algn="ctr"/>
-            <a:endParaRPr kumimoji="1" lang="ja-JP" altLang="en-US" sz="1100" dirty="0">
-              <a:solidFill>
-                <a:schemeClr val="tx1"/>
-              </a:solidFill>
-              <a:latin typeface="メイリオ" panose="020B0604030504040204" pitchFamily="50" charset="-128"/>
-              <a:ea typeface="メイリオ" panose="020B0604030504040204" pitchFamily="50" charset="-128"/>
-            </a:endParaRPr>
+            <a:r>
+              <a:rPr kumimoji="1" lang="ja-JP" altLang="en-US" sz="1100" dirty="0">
+                <a:solidFill>
+                  <a:schemeClr val="tx1"/>
+                </a:solidFill>
+                <a:latin typeface="メイリオ" panose="020B0604030504040204" pitchFamily="50" charset="-128"/>
+                <a:ea typeface="メイリオ" panose="020B0604030504040204" pitchFamily="50" charset="-128"/>
+              </a:rPr>
+              <a:t>顧客視点</a:t>
+            </a:r>
           </a:p>
         </p:txBody>
       </p:sp>
@@ -6814,6 +6993,42 @@
               <a:tabLst/>
               <a:defRPr/>
             </a:pPr>
+            <a:r>
+              <a:rPr kumimoji="1" lang="en-US" altLang="ja-JP" sz="1000" b="0" i="0" u="none" strike="noStrike" kern="0" cap="none" spc="0" normalizeH="0" baseline="0" noProof="0" dirty="0">
+                <a:ln>
+                  <a:noFill/>
+                </a:ln>
+                <a:solidFill>
+                  <a:srgbClr val="000000"/>
+                </a:solidFill>
+                <a:effectLst/>
+                <a:uLnTx/>
+                <a:uFillTx/>
+                <a:latin typeface="メイリオ" panose="020B0604030504040204" pitchFamily="50" charset="-128"/>
+                <a:ea typeface="メイリオ" panose="020B0604030504040204" pitchFamily="50" charset="-128"/>
+                <a:cs typeface="+mn-cs"/>
+                <a:sym typeface="Arial"/>
+              </a:rPr>
+              <a:t>20</a:t>
+            </a:r>
+            <a:r>
+              <a:rPr kumimoji="1" lang="ja-JP" altLang="en-US" sz="1000" b="0" i="0" u="none" strike="noStrike" kern="0" cap="none" spc="0" normalizeH="0" baseline="0" noProof="0" dirty="0">
+                <a:ln>
+                  <a:noFill/>
+                </a:ln>
+                <a:solidFill>
+                  <a:srgbClr val="000000"/>
+                </a:solidFill>
+                <a:effectLst/>
+                <a:uLnTx/>
+                <a:uFillTx/>
+                <a:latin typeface="メイリオ" panose="020B0604030504040204" pitchFamily="50" charset="-128"/>
+                <a:ea typeface="メイリオ" panose="020B0604030504040204" pitchFamily="50" charset="-128"/>
+                <a:cs typeface="+mn-cs"/>
+                <a:sym typeface="Arial"/>
+              </a:rPr>
+              <a:t>歳以上の層への広告戦略が適切じゃない</a:t>
+            </a:r>
             <a:endParaRPr kumimoji="1" lang="en-US" altLang="ja-JP" sz="1000" b="0" i="0" u="none" strike="noStrike" kern="0" cap="none" spc="0" normalizeH="0" baseline="0" noProof="0" dirty="0">
               <a:ln>
                 <a:noFill/>
@@ -6877,6 +7092,96 @@
                 <a:spcPct val="150000"/>
               </a:lnSpc>
             </a:pPr>
+            <a:r>
+              <a:rPr kumimoji="1" lang="ja-JP" altLang="en-US" sz="1100" dirty="0">
+                <a:solidFill>
+                  <a:schemeClr val="tx1"/>
+                </a:solidFill>
+                <a:latin typeface="メイリオ" panose="020B0604030504040204" pitchFamily="50" charset="-128"/>
+                <a:ea typeface="メイリオ" panose="020B0604030504040204" pitchFamily="50" charset="-128"/>
+              </a:rPr>
+              <a:t>シグネイトプロテインの購入者</a:t>
+            </a:r>
+            <a:r>
+              <a:rPr kumimoji="1" lang="en-US" altLang="ja-JP" sz="1100" dirty="0">
+                <a:solidFill>
+                  <a:schemeClr val="tx1"/>
+                </a:solidFill>
+                <a:latin typeface="メイリオ" panose="020B0604030504040204" pitchFamily="50" charset="-128"/>
+                <a:ea typeface="メイリオ" panose="020B0604030504040204" pitchFamily="50" charset="-128"/>
+              </a:rPr>
+              <a:t>10</a:t>
+            </a:r>
+            <a:r>
+              <a:rPr kumimoji="1" lang="ja-JP" altLang="en-US" sz="1100" dirty="0">
+                <a:solidFill>
+                  <a:schemeClr val="tx1"/>
+                </a:solidFill>
+                <a:latin typeface="メイリオ" panose="020B0604030504040204" pitchFamily="50" charset="-128"/>
+                <a:ea typeface="メイリオ" panose="020B0604030504040204" pitchFamily="50" charset="-128"/>
+              </a:rPr>
+              <a:t>～</a:t>
+            </a:r>
+            <a:r>
+              <a:rPr kumimoji="1" lang="en-US" altLang="ja-JP" sz="1100" dirty="0">
+                <a:solidFill>
+                  <a:schemeClr val="tx1"/>
+                </a:solidFill>
+                <a:latin typeface="メイリオ" panose="020B0604030504040204" pitchFamily="50" charset="-128"/>
+                <a:ea typeface="メイリオ" panose="020B0604030504040204" pitchFamily="50" charset="-128"/>
+              </a:rPr>
+              <a:t>20</a:t>
+            </a:r>
+            <a:r>
+              <a:rPr kumimoji="1" lang="ja-JP" altLang="en-US" sz="1100" dirty="0">
+                <a:solidFill>
+                  <a:schemeClr val="tx1"/>
+                </a:solidFill>
+                <a:latin typeface="メイリオ" panose="020B0604030504040204" pitchFamily="50" charset="-128"/>
+                <a:ea typeface="メイリオ" panose="020B0604030504040204" pitchFamily="50" charset="-128"/>
+              </a:rPr>
+              <a:t>歳と</a:t>
+            </a:r>
+            <a:r>
+              <a:rPr kumimoji="1" lang="en-US" altLang="ja-JP" sz="1100" dirty="0">
+                <a:solidFill>
+                  <a:schemeClr val="tx1"/>
+                </a:solidFill>
+                <a:latin typeface="メイリオ" panose="020B0604030504040204" pitchFamily="50" charset="-128"/>
+                <a:ea typeface="メイリオ" panose="020B0604030504040204" pitchFamily="50" charset="-128"/>
+              </a:rPr>
+              <a:t>20</a:t>
+            </a:r>
+            <a:r>
+              <a:rPr kumimoji="1" lang="ja-JP" altLang="en-US" sz="1100" dirty="0">
+                <a:solidFill>
+                  <a:schemeClr val="tx1"/>
+                </a:solidFill>
+                <a:latin typeface="メイリオ" panose="020B0604030504040204" pitchFamily="50" charset="-128"/>
+                <a:ea typeface="メイリオ" panose="020B0604030504040204" pitchFamily="50" charset="-128"/>
+              </a:rPr>
+              <a:t>～</a:t>
+            </a:r>
+            <a:r>
+              <a:rPr kumimoji="1" lang="en-US" altLang="ja-JP" sz="1100" dirty="0">
+                <a:solidFill>
+                  <a:schemeClr val="tx1"/>
+                </a:solidFill>
+                <a:latin typeface="メイリオ" panose="020B0604030504040204" pitchFamily="50" charset="-128"/>
+                <a:ea typeface="メイリオ" panose="020B0604030504040204" pitchFamily="50" charset="-128"/>
+              </a:rPr>
+              <a:t>30</a:t>
+            </a:r>
+            <a:r>
+              <a:rPr kumimoji="1" lang="ja-JP" altLang="en-US" sz="1100" dirty="0">
+                <a:solidFill>
+                  <a:schemeClr val="tx1"/>
+                </a:solidFill>
+                <a:latin typeface="メイリオ" panose="020B0604030504040204" pitchFamily="50" charset="-128"/>
+                <a:ea typeface="メイリオ" panose="020B0604030504040204" pitchFamily="50" charset="-128"/>
+              </a:rPr>
+              <a:t>歳の購買行動に差はあるか</a:t>
+            </a:r>
             <a:endParaRPr kumimoji="1" lang="en-US" altLang="ja-JP" sz="1100" dirty="0">
               <a:solidFill>
                 <a:schemeClr val="tx1"/>
@@ -6928,6 +7233,16 @@
           <a:lstStyle/>
           <a:p>
             <a:pPr algn="ctr"/>
+            <a:r>
+              <a:rPr kumimoji="1" lang="ja-JP" altLang="en-US" sz="1100">
+                <a:solidFill>
+                  <a:schemeClr val="tx1"/>
+                </a:solidFill>
+                <a:latin typeface="メイリオ" panose="020B0604030504040204" pitchFamily="50" charset="-128"/>
+                <a:ea typeface="メイリオ" panose="020B0604030504040204" pitchFamily="50" charset="-128"/>
+              </a:rPr>
+              <a:t>顧客視点</a:t>
+            </a:r>
             <a:endParaRPr kumimoji="1" lang="ja-JP" altLang="en-US" sz="1100" dirty="0">
               <a:solidFill>
                 <a:schemeClr val="tx1"/>
@@ -6979,13 +7294,16 @@
           <a:lstStyle/>
           <a:p>
             <a:pPr algn="ctr"/>
-            <a:endParaRPr kumimoji="1" lang="ja-JP" altLang="en-US" sz="1100" dirty="0">
-              <a:solidFill>
-                <a:schemeClr val="tx1"/>
-              </a:solidFill>
-              <a:latin typeface="メイリオ" panose="020B0604030504040204" pitchFamily="50" charset="-128"/>
-              <a:ea typeface="メイリオ" panose="020B0604030504040204" pitchFamily="50" charset="-128"/>
-            </a:endParaRPr>
+            <a:r>
+              <a:rPr kumimoji="1" lang="ja-JP" altLang="en-US" sz="1100" dirty="0">
+                <a:solidFill>
+                  <a:schemeClr val="tx1"/>
+                </a:solidFill>
+                <a:latin typeface="メイリオ" panose="020B0604030504040204" pitchFamily="50" charset="-128"/>
+                <a:ea typeface="メイリオ" panose="020B0604030504040204" pitchFamily="50" charset="-128"/>
+              </a:rPr>
+              <a:t>マーケティング視点</a:t>
+            </a:r>
           </a:p>
         </p:txBody>
       </p:sp>
@@ -7034,7 +7352,27 @@
                 <a:spcPct val="150000"/>
               </a:lnSpc>
             </a:pPr>
-            <a:endParaRPr kumimoji="1" lang="en-US" altLang="ja-JP" sz="1100" dirty="0">
+            <a:r>
+              <a:rPr kumimoji="1" lang="en-US" altLang="ja-JP" sz="1100">
+                <a:solidFill>
+                  <a:schemeClr val="tx1"/>
+                </a:solidFill>
+                <a:latin typeface="メイリオ" panose="020B0604030504040204" pitchFamily="50" charset="-128"/>
+                <a:ea typeface="メイリオ" panose="020B0604030504040204" pitchFamily="50" charset="-128"/>
+              </a:rPr>
+              <a:t>20</a:t>
+            </a:r>
+            <a:r>
+              <a:rPr kumimoji="1" lang="ja-JP" altLang="en-US" sz="1100">
+                <a:solidFill>
+                  <a:schemeClr val="tx1"/>
+                </a:solidFill>
+                <a:latin typeface="メイリオ" panose="020B0604030504040204" pitchFamily="50" charset="-128"/>
+                <a:ea typeface="メイリオ" panose="020B0604030504040204" pitchFamily="50" charset="-128"/>
+              </a:rPr>
+              <a:t>歳以上の層への広告戦略が適切じゃない</a:t>
+            </a:r>
+            <a:endParaRPr kumimoji="1" lang="ja-JP" altLang="en-US" sz="1100" dirty="0">
               <a:solidFill>
                 <a:schemeClr val="tx1"/>
               </a:solidFill>
@@ -7465,6 +7803,981 @@
   <p:cSld>
     <p:spTree>
       <p:nvGrpSpPr>
+        <p:cNvPr id="1" name="">
+          <a:extLst>
+            <a:ext uri="{FF2B5EF4-FFF2-40B4-BE49-F238E27FC236}">
+              <a16:creationId xmlns:a16="http://schemas.microsoft.com/office/drawing/2014/main" id="{52DFFFA6-045F-A9B1-007E-FCAB8968DFCE}"/>
+            </a:ext>
+          </a:extLst>
+        </p:cNvPr>
+        <p:cNvGrpSpPr/>
+        <p:nvPr/>
+      </p:nvGrpSpPr>
+      <p:grpSpPr>
+        <a:xfrm>
+          <a:off x="0" y="0"/>
+          <a:ext cx="0" cy="0"/>
+          <a:chOff x="0" y="0"/>
+          <a:chExt cx="0" cy="0"/>
+        </a:xfrm>
+      </p:grpSpPr>
+      <p:sp>
+        <p:nvSpPr>
+          <p:cNvPr id="2" name="タイトル 1">
+            <a:extLst>
+              <a:ext uri="{FF2B5EF4-FFF2-40B4-BE49-F238E27FC236}">
+                <a16:creationId xmlns:a16="http://schemas.microsoft.com/office/drawing/2014/main" id="{232A26EF-F6BA-F75A-8B71-1FDC1928DA79}"/>
+              </a:ext>
+            </a:extLst>
+          </p:cNvPr>
+          <p:cNvSpPr>
+            <a:spLocks noGrp="1"/>
+          </p:cNvSpPr>
+          <p:nvPr>
+            <p:ph type="title"/>
+          </p:nvPr>
+        </p:nvSpPr>
+        <p:spPr/>
+        <p:txBody>
+          <a:bodyPr/>
+          <a:lstStyle/>
+          <a:p>
+            <a:r>
+              <a:rPr kumimoji="1" lang="ja-JP" altLang="en-US" dirty="0"/>
+              <a:t>分析設計計画書の作成</a:t>
+            </a:r>
+          </a:p>
+        </p:txBody>
+      </p:sp>
+      <p:sp>
+        <p:nvSpPr>
+          <p:cNvPr id="12" name="正方形/長方形 11">
+            <a:extLst>
+              <a:ext uri="{FF2B5EF4-FFF2-40B4-BE49-F238E27FC236}">
+                <a16:creationId xmlns:a16="http://schemas.microsoft.com/office/drawing/2014/main" id="{61720BB0-51D5-CB8B-7450-BF0C45D1E057}"/>
+              </a:ext>
+            </a:extLst>
+          </p:cNvPr>
+          <p:cNvSpPr/>
+          <p:nvPr/>
+        </p:nvSpPr>
+        <p:spPr>
+          <a:xfrm>
+            <a:off x="981854" y="1205074"/>
+            <a:ext cx="1872000" cy="310644"/>
+          </a:xfrm>
+          <a:prstGeom prst="rect">
+            <a:avLst/>
+          </a:prstGeom>
+          <a:solidFill>
+            <a:schemeClr val="accent4">
+              <a:lumMod val="50000"/>
+            </a:schemeClr>
+          </a:solidFill>
+          <a:ln>
+            <a:solidFill>
+              <a:schemeClr val="accent4">
+                <a:lumMod val="50000"/>
+              </a:schemeClr>
+            </a:solidFill>
+          </a:ln>
+        </p:spPr>
+        <p:style>
+          <a:lnRef idx="2">
+            <a:schemeClr val="accent1">
+              <a:shade val="15000"/>
+            </a:schemeClr>
+          </a:lnRef>
+          <a:fillRef idx="1">
+            <a:schemeClr val="accent1"/>
+          </a:fillRef>
+          <a:effectRef idx="0">
+            <a:schemeClr val="accent1"/>
+          </a:effectRef>
+          <a:fontRef idx="minor">
+            <a:schemeClr val="lt1"/>
+          </a:fontRef>
+        </p:style>
+        <p:txBody>
+          <a:bodyPr rtlCol="0" anchor="ctr"/>
+          <a:lstStyle/>
+          <a:p>
+            <a:pPr algn="ctr"/>
+            <a:r>
+              <a:rPr kumimoji="1" lang="ja-JP" altLang="en-US" sz="1600">
+                <a:latin typeface="メイリオ" panose="020B0604030504040204" pitchFamily="50" charset="-128"/>
+                <a:ea typeface="メイリオ" panose="020B0604030504040204" pitchFamily="50" charset="-128"/>
+              </a:rPr>
+              <a:t>選別した仮説</a:t>
+            </a:r>
+          </a:p>
+        </p:txBody>
+      </p:sp>
+      <p:sp>
+        <p:nvSpPr>
+          <p:cNvPr id="13" name="正方形/長方形 12">
+            <a:extLst>
+              <a:ext uri="{FF2B5EF4-FFF2-40B4-BE49-F238E27FC236}">
+                <a16:creationId xmlns:a16="http://schemas.microsoft.com/office/drawing/2014/main" id="{48E6B6C4-CF81-C737-BC7F-F3FD2A309C61}"/>
+              </a:ext>
+            </a:extLst>
+          </p:cNvPr>
+          <p:cNvSpPr/>
+          <p:nvPr/>
+        </p:nvSpPr>
+        <p:spPr>
+          <a:xfrm>
+            <a:off x="981854" y="3278853"/>
+            <a:ext cx="1872000" cy="1548000"/>
+          </a:xfrm>
+          <a:prstGeom prst="rect">
+            <a:avLst/>
+          </a:prstGeom>
+          <a:ln/>
+        </p:spPr>
+        <p:style>
+          <a:lnRef idx="2">
+            <a:schemeClr val="accent1"/>
+          </a:lnRef>
+          <a:fillRef idx="1">
+            <a:schemeClr val="lt1"/>
+          </a:fillRef>
+          <a:effectRef idx="0">
+            <a:schemeClr val="accent1"/>
+          </a:effectRef>
+          <a:fontRef idx="minor">
+            <a:schemeClr val="dk1"/>
+          </a:fontRef>
+        </p:style>
+        <p:txBody>
+          <a:bodyPr rtlCol="0" anchor="ctr"/>
+          <a:lstStyle/>
+          <a:p>
+            <a:r>
+              <a:rPr kumimoji="1" lang="ja-JP" altLang="en-US" sz="1050" dirty="0">
+                <a:solidFill>
+                  <a:schemeClr val="tx1"/>
+                </a:solidFill>
+                <a:latin typeface="メイリオ" panose="020B0604030504040204" pitchFamily="50" charset="-128"/>
+                <a:ea typeface="メイリオ" panose="020B0604030504040204" pitchFamily="50" charset="-128"/>
+              </a:rPr>
+              <a:t>プロテイン市場全体の</a:t>
+            </a:r>
+            <a:endParaRPr kumimoji="1" lang="en-US" altLang="ja-JP" sz="1050" dirty="0">
+              <a:solidFill>
+                <a:schemeClr val="tx1"/>
+              </a:solidFill>
+              <a:latin typeface="メイリオ" panose="020B0604030504040204" pitchFamily="50" charset="-128"/>
+              <a:ea typeface="メイリオ" panose="020B0604030504040204" pitchFamily="50" charset="-128"/>
+            </a:endParaRPr>
+          </a:p>
+          <a:p>
+            <a:r>
+              <a:rPr kumimoji="1" lang="ja-JP" altLang="en-US" sz="1050" dirty="0">
+                <a:solidFill>
+                  <a:schemeClr val="tx1"/>
+                </a:solidFill>
+                <a:latin typeface="メイリオ" panose="020B0604030504040204" pitchFamily="50" charset="-128"/>
+                <a:ea typeface="メイリオ" panose="020B0604030504040204" pitchFamily="50" charset="-128"/>
+              </a:rPr>
+              <a:t>需要が変化している</a:t>
+            </a:r>
+            <a:endParaRPr kumimoji="1" lang="en-US" altLang="ja-JP" sz="1050" dirty="0">
+              <a:solidFill>
+                <a:schemeClr val="tx1"/>
+              </a:solidFill>
+              <a:latin typeface="メイリオ" panose="020B0604030504040204" pitchFamily="50" charset="-128"/>
+              <a:ea typeface="メイリオ" panose="020B0604030504040204" pitchFamily="50" charset="-128"/>
+            </a:endParaRPr>
+          </a:p>
+        </p:txBody>
+      </p:sp>
+      <p:sp>
+        <p:nvSpPr>
+          <p:cNvPr id="14" name="正方形/長方形 13">
+            <a:extLst>
+              <a:ext uri="{FF2B5EF4-FFF2-40B4-BE49-F238E27FC236}">
+                <a16:creationId xmlns:a16="http://schemas.microsoft.com/office/drawing/2014/main" id="{7DC0BC64-8810-199B-0E13-6DD0C57040FC}"/>
+              </a:ext>
+            </a:extLst>
+          </p:cNvPr>
+          <p:cNvSpPr/>
+          <p:nvPr/>
+        </p:nvSpPr>
+        <p:spPr>
+          <a:xfrm>
+            <a:off x="981854" y="1616795"/>
+            <a:ext cx="1872000" cy="1548000"/>
+          </a:xfrm>
+          <a:prstGeom prst="rect">
+            <a:avLst/>
+          </a:prstGeom>
+          <a:ln/>
+        </p:spPr>
+        <p:style>
+          <a:lnRef idx="2">
+            <a:schemeClr val="accent1"/>
+          </a:lnRef>
+          <a:fillRef idx="1">
+            <a:schemeClr val="lt1"/>
+          </a:fillRef>
+          <a:effectRef idx="0">
+            <a:schemeClr val="accent1"/>
+          </a:effectRef>
+          <a:fontRef idx="minor">
+            <a:schemeClr val="dk1"/>
+          </a:fontRef>
+        </p:style>
+        <p:txBody>
+          <a:bodyPr rtlCol="0" anchor="ctr"/>
+          <a:lstStyle/>
+          <a:p>
+            <a:r>
+              <a:rPr kumimoji="1" lang="ja-JP" altLang="en-US" sz="1100" dirty="0">
+                <a:solidFill>
+                  <a:schemeClr val="tx1"/>
+                </a:solidFill>
+                <a:latin typeface="メイリオ" panose="020B0604030504040204" pitchFamily="50" charset="-128"/>
+                <a:ea typeface="メイリオ" panose="020B0604030504040204" pitchFamily="50" charset="-128"/>
+              </a:rPr>
+              <a:t>自社商品購入者の年代に</a:t>
+            </a:r>
+            <a:endParaRPr kumimoji="1" lang="en-US" altLang="ja-JP" sz="1100" dirty="0">
+              <a:solidFill>
+                <a:schemeClr val="tx1"/>
+              </a:solidFill>
+              <a:latin typeface="メイリオ" panose="020B0604030504040204" pitchFamily="50" charset="-128"/>
+              <a:ea typeface="メイリオ" panose="020B0604030504040204" pitchFamily="50" charset="-128"/>
+            </a:endParaRPr>
+          </a:p>
+          <a:p>
+            <a:r>
+              <a:rPr kumimoji="1" lang="ja-JP" altLang="en-US" sz="1100" dirty="0">
+                <a:solidFill>
+                  <a:schemeClr val="tx1"/>
+                </a:solidFill>
+                <a:latin typeface="メイリオ" panose="020B0604030504040204" pitchFamily="50" charset="-128"/>
+                <a:ea typeface="メイリオ" panose="020B0604030504040204" pitchFamily="50" charset="-128"/>
+              </a:rPr>
+              <a:t>よって増加率に差異がある </a:t>
+            </a:r>
+            <a:endParaRPr kumimoji="1" lang="en-US" altLang="ja-JP" sz="1100" dirty="0">
+              <a:solidFill>
+                <a:schemeClr val="tx1"/>
+              </a:solidFill>
+              <a:latin typeface="メイリオ" panose="020B0604030504040204" pitchFamily="50" charset="-128"/>
+              <a:ea typeface="メイリオ" panose="020B0604030504040204" pitchFamily="50" charset="-128"/>
+            </a:endParaRPr>
+          </a:p>
+        </p:txBody>
+      </p:sp>
+      <p:sp>
+        <p:nvSpPr>
+          <p:cNvPr id="15" name="正方形/長方形 14">
+            <a:extLst>
+              <a:ext uri="{FF2B5EF4-FFF2-40B4-BE49-F238E27FC236}">
+                <a16:creationId xmlns:a16="http://schemas.microsoft.com/office/drawing/2014/main" id="{75302224-EE99-B953-AFDD-0EFA784BD3D3}"/>
+              </a:ext>
+            </a:extLst>
+          </p:cNvPr>
+          <p:cNvSpPr/>
+          <p:nvPr/>
+        </p:nvSpPr>
+        <p:spPr>
+          <a:xfrm>
+            <a:off x="558800" y="1221293"/>
+            <a:ext cx="273862" cy="3634364"/>
+          </a:xfrm>
+          <a:prstGeom prst="rect">
+            <a:avLst/>
+          </a:prstGeom>
+          <a:solidFill>
+            <a:schemeClr val="accent4">
+              <a:lumMod val="50000"/>
+            </a:schemeClr>
+          </a:solidFill>
+          <a:ln>
+            <a:solidFill>
+              <a:schemeClr val="accent4">
+                <a:lumMod val="50000"/>
+              </a:schemeClr>
+            </a:solidFill>
+          </a:ln>
+        </p:spPr>
+        <p:style>
+          <a:lnRef idx="2">
+            <a:schemeClr val="accent1">
+              <a:shade val="15000"/>
+            </a:schemeClr>
+          </a:lnRef>
+          <a:fillRef idx="1">
+            <a:schemeClr val="accent1"/>
+          </a:fillRef>
+          <a:effectRef idx="0">
+            <a:schemeClr val="accent1"/>
+          </a:effectRef>
+          <a:fontRef idx="minor">
+            <a:schemeClr val="lt1"/>
+          </a:fontRef>
+        </p:style>
+        <p:txBody>
+          <a:bodyPr rtlCol="0" anchor="ctr"/>
+          <a:lstStyle/>
+          <a:p>
+            <a:pPr algn="ctr"/>
+            <a:r>
+              <a:rPr kumimoji="1" lang="ja-JP" altLang="en-US" sz="1600" dirty="0">
+                <a:latin typeface="メイリオ" panose="020B0604030504040204" pitchFamily="50" charset="-128"/>
+                <a:ea typeface="メイリオ" panose="020B0604030504040204" pitchFamily="50" charset="-128"/>
+              </a:rPr>
+              <a:t>分析設計書</a:t>
+            </a:r>
+          </a:p>
+        </p:txBody>
+      </p:sp>
+      <p:sp>
+        <p:nvSpPr>
+          <p:cNvPr id="16" name="正方形/長方形 15">
+            <a:extLst>
+              <a:ext uri="{FF2B5EF4-FFF2-40B4-BE49-F238E27FC236}">
+                <a16:creationId xmlns:a16="http://schemas.microsoft.com/office/drawing/2014/main" id="{17C1E47D-4C3F-3FD9-2E74-0BE5F6EB969F}"/>
+              </a:ext>
+            </a:extLst>
+          </p:cNvPr>
+          <p:cNvSpPr/>
+          <p:nvPr/>
+        </p:nvSpPr>
+        <p:spPr>
+          <a:xfrm>
+            <a:off x="4852720" y="1205074"/>
+            <a:ext cx="1872000" cy="310644"/>
+          </a:xfrm>
+          <a:prstGeom prst="rect">
+            <a:avLst/>
+          </a:prstGeom>
+          <a:solidFill>
+            <a:schemeClr val="accent4">
+              <a:lumMod val="50000"/>
+            </a:schemeClr>
+          </a:solidFill>
+          <a:ln>
+            <a:solidFill>
+              <a:schemeClr val="accent4">
+                <a:lumMod val="50000"/>
+              </a:schemeClr>
+            </a:solidFill>
+          </a:ln>
+        </p:spPr>
+        <p:style>
+          <a:lnRef idx="2">
+            <a:schemeClr val="accent1">
+              <a:shade val="15000"/>
+            </a:schemeClr>
+          </a:lnRef>
+          <a:fillRef idx="1">
+            <a:schemeClr val="accent1"/>
+          </a:fillRef>
+          <a:effectRef idx="0">
+            <a:schemeClr val="accent1"/>
+          </a:effectRef>
+          <a:fontRef idx="minor">
+            <a:schemeClr val="lt1"/>
+          </a:fontRef>
+        </p:style>
+        <p:txBody>
+          <a:bodyPr rtlCol="0" anchor="ctr"/>
+          <a:lstStyle/>
+          <a:p>
+            <a:pPr algn="ctr"/>
+            <a:r>
+              <a:rPr kumimoji="1" lang="ja-JP" altLang="en-US" sz="1600">
+                <a:latin typeface="メイリオ" panose="020B0604030504040204" pitchFamily="50" charset="-128"/>
+                <a:ea typeface="メイリオ" panose="020B0604030504040204" pitchFamily="50" charset="-128"/>
+              </a:rPr>
+              <a:t>分析手法</a:t>
+            </a:r>
+          </a:p>
+        </p:txBody>
+      </p:sp>
+      <p:sp>
+        <p:nvSpPr>
+          <p:cNvPr id="17" name="正方形/長方形 16">
+            <a:extLst>
+              <a:ext uri="{FF2B5EF4-FFF2-40B4-BE49-F238E27FC236}">
+                <a16:creationId xmlns:a16="http://schemas.microsoft.com/office/drawing/2014/main" id="{719003A9-A33A-57ED-D3B3-B11A35B53B20}"/>
+              </a:ext>
+            </a:extLst>
+          </p:cNvPr>
+          <p:cNvSpPr/>
+          <p:nvPr/>
+        </p:nvSpPr>
+        <p:spPr>
+          <a:xfrm>
+            <a:off x="4852720" y="1616794"/>
+            <a:ext cx="1872000" cy="1548000"/>
+          </a:xfrm>
+          <a:prstGeom prst="rect">
+            <a:avLst/>
+          </a:prstGeom>
+          <a:ln/>
+        </p:spPr>
+        <p:style>
+          <a:lnRef idx="2">
+            <a:schemeClr val="accent1"/>
+          </a:lnRef>
+          <a:fillRef idx="1">
+            <a:schemeClr val="lt1"/>
+          </a:fillRef>
+          <a:effectRef idx="0">
+            <a:schemeClr val="accent1"/>
+          </a:effectRef>
+          <a:fontRef idx="minor">
+            <a:schemeClr val="dk1"/>
+          </a:fontRef>
+        </p:style>
+        <p:txBody>
+          <a:bodyPr rtlCol="0" anchor="ctr"/>
+          <a:lstStyle/>
+          <a:p>
+            <a:r>
+              <a:rPr kumimoji="1" lang="en-US" altLang="ja-JP" sz="1050" dirty="0">
+                <a:latin typeface="メイリオ" panose="020B0604030504040204" pitchFamily="50" charset="-128"/>
+                <a:ea typeface="メイリオ" panose="020B0604030504040204" pitchFamily="50" charset="-128"/>
+              </a:rPr>
+              <a:t>Excel</a:t>
+            </a:r>
+            <a:r>
+              <a:rPr kumimoji="1" lang="ja-JP" altLang="en-US" sz="1050" dirty="0">
+                <a:latin typeface="メイリオ" panose="020B0604030504040204" pitchFamily="50" charset="-128"/>
+                <a:ea typeface="メイリオ" panose="020B0604030504040204" pitchFamily="50" charset="-128"/>
+              </a:rPr>
+              <a:t>のクロス集計、横棒グラフ</a:t>
+            </a:r>
+            <a:endParaRPr kumimoji="1" lang="en-US" altLang="ja-JP" sz="1050" dirty="0">
+              <a:latin typeface="メイリオ" panose="020B0604030504040204" pitchFamily="50" charset="-128"/>
+              <a:ea typeface="メイリオ" panose="020B0604030504040204" pitchFamily="50" charset="-128"/>
+            </a:endParaRPr>
+          </a:p>
+        </p:txBody>
+      </p:sp>
+      <p:sp>
+        <p:nvSpPr>
+          <p:cNvPr id="18" name="正方形/長方形 17">
+            <a:extLst>
+              <a:ext uri="{FF2B5EF4-FFF2-40B4-BE49-F238E27FC236}">
+                <a16:creationId xmlns:a16="http://schemas.microsoft.com/office/drawing/2014/main" id="{3CE266CF-6EE4-9DDF-8EDA-E14714428C14}"/>
+              </a:ext>
+            </a:extLst>
+          </p:cNvPr>
+          <p:cNvSpPr/>
+          <p:nvPr/>
+        </p:nvSpPr>
+        <p:spPr>
+          <a:xfrm>
+            <a:off x="2917288" y="1205074"/>
+            <a:ext cx="1872000" cy="310644"/>
+          </a:xfrm>
+          <a:prstGeom prst="rect">
+            <a:avLst/>
+          </a:prstGeom>
+          <a:solidFill>
+            <a:schemeClr val="accent4">
+              <a:lumMod val="50000"/>
+            </a:schemeClr>
+          </a:solidFill>
+          <a:ln>
+            <a:solidFill>
+              <a:schemeClr val="accent4">
+                <a:lumMod val="50000"/>
+              </a:schemeClr>
+            </a:solidFill>
+          </a:ln>
+        </p:spPr>
+        <p:style>
+          <a:lnRef idx="2">
+            <a:schemeClr val="accent1">
+              <a:shade val="15000"/>
+            </a:schemeClr>
+          </a:lnRef>
+          <a:fillRef idx="1">
+            <a:schemeClr val="accent1"/>
+          </a:fillRef>
+          <a:effectRef idx="0">
+            <a:schemeClr val="accent1"/>
+          </a:effectRef>
+          <a:fontRef idx="minor">
+            <a:schemeClr val="lt1"/>
+          </a:fontRef>
+        </p:style>
+        <p:txBody>
+          <a:bodyPr rtlCol="0" anchor="ctr"/>
+          <a:lstStyle/>
+          <a:p>
+            <a:pPr algn="ctr"/>
+            <a:r>
+              <a:rPr kumimoji="1" lang="ja-JP" altLang="en-US" sz="1600" dirty="0">
+                <a:latin typeface="メイリオ" panose="020B0604030504040204" pitchFamily="50" charset="-128"/>
+                <a:ea typeface="メイリオ" panose="020B0604030504040204" pitchFamily="50" charset="-128"/>
+              </a:rPr>
+              <a:t>アウトプット想定</a:t>
+            </a:r>
+          </a:p>
+        </p:txBody>
+      </p:sp>
+      <p:sp>
+        <p:nvSpPr>
+          <p:cNvPr id="19" name="正方形/長方形 18">
+            <a:extLst>
+              <a:ext uri="{FF2B5EF4-FFF2-40B4-BE49-F238E27FC236}">
+                <a16:creationId xmlns:a16="http://schemas.microsoft.com/office/drawing/2014/main" id="{1681A60C-7BC3-75D8-D84C-D60EF4D4BFEF}"/>
+              </a:ext>
+            </a:extLst>
+          </p:cNvPr>
+          <p:cNvSpPr/>
+          <p:nvPr/>
+        </p:nvSpPr>
+        <p:spPr>
+          <a:xfrm>
+            <a:off x="2917287" y="1616795"/>
+            <a:ext cx="1872000" cy="1548000"/>
+          </a:xfrm>
+          <a:prstGeom prst="rect">
+            <a:avLst/>
+          </a:prstGeom>
+          <a:ln/>
+        </p:spPr>
+        <p:style>
+          <a:lnRef idx="2">
+            <a:schemeClr val="accent1"/>
+          </a:lnRef>
+          <a:fillRef idx="1">
+            <a:schemeClr val="lt1"/>
+          </a:fillRef>
+          <a:effectRef idx="0">
+            <a:schemeClr val="accent1"/>
+          </a:effectRef>
+          <a:fontRef idx="minor">
+            <a:schemeClr val="dk1"/>
+          </a:fontRef>
+        </p:style>
+        <p:txBody>
+          <a:bodyPr rtlCol="0" anchor="ctr"/>
+          <a:lstStyle/>
+          <a:p>
+            <a:r>
+              <a:rPr lang="ja-JP" altLang="en-US" sz="1100" dirty="0"/>
+              <a:t>シグネイトプロテイン購入者の年代別金額</a:t>
+            </a:r>
+            <a:r>
+              <a:rPr lang="en-US" altLang="ja-JP" sz="1100" dirty="0"/>
+              <a:t>/</a:t>
+            </a:r>
+            <a:r>
+              <a:rPr lang="ja-JP" altLang="en-US" sz="1100" dirty="0"/>
+              <a:t>数量の推移</a:t>
+            </a:r>
+            <a:endParaRPr lang="en-US" altLang="ja-JP" sz="1100" dirty="0"/>
+          </a:p>
+        </p:txBody>
+      </p:sp>
+      <p:sp>
+        <p:nvSpPr>
+          <p:cNvPr id="20" name="正方形/長方形 19">
+            <a:extLst>
+              <a:ext uri="{FF2B5EF4-FFF2-40B4-BE49-F238E27FC236}">
+                <a16:creationId xmlns:a16="http://schemas.microsoft.com/office/drawing/2014/main" id="{EDE8A8D3-4C9B-63A5-444B-9DADDB4C062B}"/>
+              </a:ext>
+            </a:extLst>
+          </p:cNvPr>
+          <p:cNvSpPr/>
+          <p:nvPr/>
+        </p:nvSpPr>
+        <p:spPr>
+          <a:xfrm>
+            <a:off x="2917287" y="3278853"/>
+            <a:ext cx="1872000" cy="1548000"/>
+          </a:xfrm>
+          <a:prstGeom prst="rect">
+            <a:avLst/>
+          </a:prstGeom>
+          <a:ln/>
+        </p:spPr>
+        <p:style>
+          <a:lnRef idx="2">
+            <a:schemeClr val="accent1"/>
+          </a:lnRef>
+          <a:fillRef idx="1">
+            <a:schemeClr val="lt1"/>
+          </a:fillRef>
+          <a:effectRef idx="0">
+            <a:schemeClr val="accent1"/>
+          </a:effectRef>
+          <a:fontRef idx="minor">
+            <a:schemeClr val="dk1"/>
+          </a:fontRef>
+        </p:style>
+        <p:txBody>
+          <a:bodyPr rtlCol="0" anchor="ctr"/>
+          <a:lstStyle/>
+          <a:p>
+            <a:r>
+              <a:rPr kumimoji="1" lang="ja-JP" altLang="en-US" sz="1000" dirty="0">
+                <a:latin typeface="メイリオ" panose="020B0604030504040204" pitchFamily="50" charset="-128"/>
+                <a:ea typeface="メイリオ" panose="020B0604030504040204" pitchFamily="50" charset="-128"/>
+              </a:rPr>
+              <a:t>主要</a:t>
+            </a:r>
+            <a:r>
+              <a:rPr kumimoji="1" lang="en-US" altLang="ja-JP" sz="1000" dirty="0">
+                <a:latin typeface="メイリオ" panose="020B0604030504040204" pitchFamily="50" charset="-128"/>
+                <a:ea typeface="メイリオ" panose="020B0604030504040204" pitchFamily="50" charset="-128"/>
+              </a:rPr>
+              <a:t>3</a:t>
+            </a:r>
+            <a:r>
+              <a:rPr kumimoji="1" lang="ja-JP" altLang="en-US" sz="1000" dirty="0">
+                <a:latin typeface="メイリオ" panose="020B0604030504040204" pitchFamily="50" charset="-128"/>
+                <a:ea typeface="メイリオ" panose="020B0604030504040204" pitchFamily="50" charset="-128"/>
+              </a:rPr>
+              <a:t>ブランド毎の年別金額</a:t>
+            </a:r>
+            <a:r>
+              <a:rPr kumimoji="1" lang="en-US" altLang="ja-JP" sz="1000" dirty="0">
+                <a:latin typeface="メイリオ" panose="020B0604030504040204" pitchFamily="50" charset="-128"/>
+                <a:ea typeface="メイリオ" panose="020B0604030504040204" pitchFamily="50" charset="-128"/>
+              </a:rPr>
+              <a:t>/</a:t>
+            </a:r>
+            <a:r>
+              <a:rPr kumimoji="1" lang="ja-JP" altLang="en-US" sz="1000" dirty="0">
+                <a:latin typeface="メイリオ" panose="020B0604030504040204" pitchFamily="50" charset="-128"/>
+                <a:ea typeface="メイリオ" panose="020B0604030504040204" pitchFamily="50" charset="-128"/>
+              </a:rPr>
+              <a:t>数量の推移</a:t>
+            </a:r>
+          </a:p>
+        </p:txBody>
+      </p:sp>
+      <p:sp>
+        <p:nvSpPr>
+          <p:cNvPr id="21" name="正方形/長方形 20">
+            <a:extLst>
+              <a:ext uri="{FF2B5EF4-FFF2-40B4-BE49-F238E27FC236}">
+                <a16:creationId xmlns:a16="http://schemas.microsoft.com/office/drawing/2014/main" id="{4245F7A7-614D-8175-5126-DE0E66105FF1}"/>
+              </a:ext>
+            </a:extLst>
+          </p:cNvPr>
+          <p:cNvSpPr/>
+          <p:nvPr/>
+        </p:nvSpPr>
+        <p:spPr>
+          <a:xfrm>
+            <a:off x="4852720" y="3278853"/>
+            <a:ext cx="1872000" cy="1548000"/>
+          </a:xfrm>
+          <a:prstGeom prst="rect">
+            <a:avLst/>
+          </a:prstGeom>
+          <a:ln/>
+        </p:spPr>
+        <p:style>
+          <a:lnRef idx="2">
+            <a:schemeClr val="accent1"/>
+          </a:lnRef>
+          <a:fillRef idx="1">
+            <a:schemeClr val="lt1"/>
+          </a:fillRef>
+          <a:effectRef idx="0">
+            <a:schemeClr val="accent1"/>
+          </a:effectRef>
+          <a:fontRef idx="minor">
+            <a:schemeClr val="dk1"/>
+          </a:fontRef>
+        </p:style>
+        <p:txBody>
+          <a:bodyPr rtlCol="0" anchor="ctr"/>
+          <a:lstStyle/>
+          <a:p>
+            <a:r>
+              <a:rPr kumimoji="1" lang="en-US" altLang="ja-JP" sz="1050" dirty="0">
+                <a:latin typeface="メイリオ" panose="020B0604030504040204" pitchFamily="50" charset="-128"/>
+                <a:ea typeface="メイリオ" panose="020B0604030504040204" pitchFamily="50" charset="-128"/>
+              </a:rPr>
+              <a:t>Excel</a:t>
+            </a:r>
+            <a:r>
+              <a:rPr kumimoji="1" lang="ja-JP" altLang="en-US" sz="1050" dirty="0">
+                <a:latin typeface="メイリオ" panose="020B0604030504040204" pitchFamily="50" charset="-128"/>
+                <a:ea typeface="メイリオ" panose="020B0604030504040204" pitchFamily="50" charset="-128"/>
+              </a:rPr>
+              <a:t>のクロス集計、縦棒グラフ</a:t>
+            </a:r>
+          </a:p>
+        </p:txBody>
+      </p:sp>
+      <p:sp>
+        <p:nvSpPr>
+          <p:cNvPr id="22" name="正方形/長方形 21">
+            <a:extLst>
+              <a:ext uri="{FF2B5EF4-FFF2-40B4-BE49-F238E27FC236}">
+                <a16:creationId xmlns:a16="http://schemas.microsoft.com/office/drawing/2014/main" id="{F8D04920-F281-1BE4-B9E6-93CFAA5C4A63}"/>
+              </a:ext>
+            </a:extLst>
+          </p:cNvPr>
+          <p:cNvSpPr/>
+          <p:nvPr/>
+        </p:nvSpPr>
+        <p:spPr>
+          <a:xfrm>
+            <a:off x="6788152" y="1205074"/>
+            <a:ext cx="1872000" cy="310644"/>
+          </a:xfrm>
+          <a:prstGeom prst="rect">
+            <a:avLst/>
+          </a:prstGeom>
+          <a:solidFill>
+            <a:schemeClr val="accent4">
+              <a:lumMod val="50000"/>
+            </a:schemeClr>
+          </a:solidFill>
+          <a:ln>
+            <a:solidFill>
+              <a:schemeClr val="accent4">
+                <a:lumMod val="50000"/>
+              </a:schemeClr>
+            </a:solidFill>
+          </a:ln>
+        </p:spPr>
+        <p:style>
+          <a:lnRef idx="2">
+            <a:schemeClr val="accent1">
+              <a:shade val="15000"/>
+            </a:schemeClr>
+          </a:lnRef>
+          <a:fillRef idx="1">
+            <a:schemeClr val="accent1"/>
+          </a:fillRef>
+          <a:effectRef idx="0">
+            <a:schemeClr val="accent1"/>
+          </a:effectRef>
+          <a:fontRef idx="minor">
+            <a:schemeClr val="lt1"/>
+          </a:fontRef>
+        </p:style>
+        <p:txBody>
+          <a:bodyPr rtlCol="0" anchor="ctr"/>
+          <a:lstStyle/>
+          <a:p>
+            <a:pPr algn="ctr"/>
+            <a:r>
+              <a:rPr kumimoji="1" lang="ja-JP" altLang="en-US" sz="1600" dirty="0">
+                <a:latin typeface="メイリオ" panose="020B0604030504040204" pitchFamily="50" charset="-128"/>
+                <a:ea typeface="メイリオ" panose="020B0604030504040204" pitchFamily="50" charset="-128"/>
+              </a:rPr>
+              <a:t>必要データ</a:t>
+            </a:r>
+          </a:p>
+        </p:txBody>
+      </p:sp>
+      <p:sp>
+        <p:nvSpPr>
+          <p:cNvPr id="23" name="正方形/長方形 22">
+            <a:extLst>
+              <a:ext uri="{FF2B5EF4-FFF2-40B4-BE49-F238E27FC236}">
+                <a16:creationId xmlns:a16="http://schemas.microsoft.com/office/drawing/2014/main" id="{A8284CCE-3A84-2830-C7A4-BF4125E24084}"/>
+              </a:ext>
+            </a:extLst>
+          </p:cNvPr>
+          <p:cNvSpPr/>
+          <p:nvPr/>
+        </p:nvSpPr>
+        <p:spPr>
+          <a:xfrm>
+            <a:off x="6788152" y="1616794"/>
+            <a:ext cx="1872000" cy="1548000"/>
+          </a:xfrm>
+          <a:prstGeom prst="rect">
+            <a:avLst/>
+          </a:prstGeom>
+          <a:ln/>
+        </p:spPr>
+        <p:style>
+          <a:lnRef idx="2">
+            <a:schemeClr val="accent1"/>
+          </a:lnRef>
+          <a:fillRef idx="1">
+            <a:schemeClr val="lt1"/>
+          </a:fillRef>
+          <a:effectRef idx="0">
+            <a:schemeClr val="accent1"/>
+          </a:effectRef>
+          <a:fontRef idx="minor">
+            <a:schemeClr val="dk1"/>
+          </a:fontRef>
+        </p:style>
+        <p:txBody>
+          <a:bodyPr rtlCol="0" anchor="ctr"/>
+          <a:lstStyle/>
+          <a:p>
+            <a:r>
+              <a:rPr kumimoji="1" lang="ja-JP" altLang="en-US" sz="900" dirty="0">
+                <a:latin typeface="メイリオ" panose="020B0604030504040204" pitchFamily="50" charset="-128"/>
+                <a:ea typeface="メイリオ" panose="020B0604030504040204" pitchFamily="50" charset="-128"/>
+              </a:rPr>
+              <a:t>プロテイン購入ニーズのアンケート項目</a:t>
+            </a:r>
+            <a:r>
+              <a:rPr kumimoji="1" lang="en-US" altLang="ja-JP" sz="900" dirty="0">
+                <a:latin typeface="メイリオ" panose="020B0604030504040204" pitchFamily="50" charset="-128"/>
+                <a:ea typeface="メイリオ" panose="020B0604030504040204" pitchFamily="50" charset="-128"/>
+              </a:rPr>
+              <a:t>5</a:t>
+            </a:r>
+            <a:r>
+              <a:rPr kumimoji="1" lang="ja-JP" altLang="en-US" sz="900" dirty="0">
+                <a:latin typeface="メイリオ" panose="020B0604030504040204" pitchFamily="50" charset="-128"/>
+                <a:ea typeface="メイリオ" panose="020B0604030504040204" pitchFamily="50" charset="-128"/>
+              </a:rPr>
+              <a:t>つ</a:t>
+            </a:r>
+            <a:endParaRPr kumimoji="1" lang="en-US" altLang="ja-JP" sz="900" dirty="0">
+              <a:latin typeface="メイリオ" panose="020B0604030504040204" pitchFamily="50" charset="-128"/>
+              <a:ea typeface="メイリオ" panose="020B0604030504040204" pitchFamily="50" charset="-128"/>
+            </a:endParaRPr>
+          </a:p>
+          <a:p>
+            <a:r>
+              <a:rPr kumimoji="1" lang="ja-JP" altLang="en-US" sz="900" dirty="0">
+                <a:latin typeface="メイリオ" panose="020B0604030504040204" pitchFamily="50" charset="-128"/>
+                <a:ea typeface="メイリオ" panose="020B0604030504040204" pitchFamily="50" charset="-128"/>
+              </a:rPr>
+              <a:t>・値段</a:t>
+            </a:r>
+            <a:endParaRPr kumimoji="1" lang="en-US" altLang="ja-JP" sz="900" dirty="0">
+              <a:latin typeface="メイリオ" panose="020B0604030504040204" pitchFamily="50" charset="-128"/>
+              <a:ea typeface="メイリオ" panose="020B0604030504040204" pitchFamily="50" charset="-128"/>
+            </a:endParaRPr>
+          </a:p>
+          <a:p>
+            <a:r>
+              <a:rPr kumimoji="1" lang="ja-JP" altLang="en-US" sz="900" dirty="0">
+                <a:latin typeface="メイリオ" panose="020B0604030504040204" pitchFamily="50" charset="-128"/>
+                <a:ea typeface="メイリオ" panose="020B0604030504040204" pitchFamily="50" charset="-128"/>
+              </a:rPr>
+              <a:t>・味</a:t>
+            </a:r>
+            <a:endParaRPr kumimoji="1" lang="en-US" altLang="ja-JP" sz="900" dirty="0">
+              <a:latin typeface="メイリオ" panose="020B0604030504040204" pitchFamily="50" charset="-128"/>
+              <a:ea typeface="メイリオ" panose="020B0604030504040204" pitchFamily="50" charset="-128"/>
+            </a:endParaRPr>
+          </a:p>
+          <a:p>
+            <a:r>
+              <a:rPr kumimoji="1" lang="ja-JP" altLang="en-US" sz="900" dirty="0">
+                <a:latin typeface="メイリオ" panose="020B0604030504040204" pitchFamily="50" charset="-128"/>
+                <a:ea typeface="メイリオ" panose="020B0604030504040204" pitchFamily="50" charset="-128"/>
+              </a:rPr>
+              <a:t>・栄養</a:t>
+            </a:r>
+            <a:endParaRPr kumimoji="1" lang="en-US" altLang="ja-JP" sz="900" dirty="0">
+              <a:latin typeface="メイリオ" panose="020B0604030504040204" pitchFamily="50" charset="-128"/>
+              <a:ea typeface="メイリオ" panose="020B0604030504040204" pitchFamily="50" charset="-128"/>
+            </a:endParaRPr>
+          </a:p>
+          <a:p>
+            <a:r>
+              <a:rPr kumimoji="1" lang="ja-JP" altLang="en-US" sz="900" dirty="0">
+                <a:latin typeface="メイリオ" panose="020B0604030504040204" pitchFamily="50" charset="-128"/>
+                <a:ea typeface="メイリオ" panose="020B0604030504040204" pitchFamily="50" charset="-128"/>
+              </a:rPr>
+              <a:t>・ブランド</a:t>
+            </a:r>
+            <a:endParaRPr kumimoji="1" lang="en-US" altLang="ja-JP" sz="900" dirty="0">
+              <a:latin typeface="メイリオ" panose="020B0604030504040204" pitchFamily="50" charset="-128"/>
+              <a:ea typeface="メイリオ" panose="020B0604030504040204" pitchFamily="50" charset="-128"/>
+            </a:endParaRPr>
+          </a:p>
+          <a:p>
+            <a:r>
+              <a:rPr kumimoji="1" lang="ja-JP" altLang="en-US" sz="900" dirty="0">
+                <a:latin typeface="メイリオ" panose="020B0604030504040204" pitchFamily="50" charset="-128"/>
+                <a:ea typeface="メイリオ" panose="020B0604030504040204" pitchFamily="50" charset="-128"/>
+              </a:rPr>
+              <a:t>・粉の溶けやすさ</a:t>
+            </a:r>
+            <a:endParaRPr kumimoji="1" lang="en-US" altLang="ja-JP" sz="900" dirty="0">
+              <a:latin typeface="メイリオ" panose="020B0604030504040204" pitchFamily="50" charset="-128"/>
+              <a:ea typeface="メイリオ" panose="020B0604030504040204" pitchFamily="50" charset="-128"/>
+            </a:endParaRPr>
+          </a:p>
+        </p:txBody>
+      </p:sp>
+      <p:sp>
+        <p:nvSpPr>
+          <p:cNvPr id="24" name="正方形/長方形 23">
+            <a:extLst>
+              <a:ext uri="{FF2B5EF4-FFF2-40B4-BE49-F238E27FC236}">
+                <a16:creationId xmlns:a16="http://schemas.microsoft.com/office/drawing/2014/main" id="{D5ABE755-F315-A167-69DA-7772C8C26AED}"/>
+              </a:ext>
+            </a:extLst>
+          </p:cNvPr>
+          <p:cNvSpPr/>
+          <p:nvPr/>
+        </p:nvSpPr>
+        <p:spPr>
+          <a:xfrm>
+            <a:off x="6788152" y="3278853"/>
+            <a:ext cx="1872000" cy="1548000"/>
+          </a:xfrm>
+          <a:prstGeom prst="rect">
+            <a:avLst/>
+          </a:prstGeom>
+          <a:ln/>
+        </p:spPr>
+        <p:style>
+          <a:lnRef idx="2">
+            <a:schemeClr val="accent1"/>
+          </a:lnRef>
+          <a:fillRef idx="1">
+            <a:schemeClr val="lt1"/>
+          </a:fillRef>
+          <a:effectRef idx="0">
+            <a:schemeClr val="accent1"/>
+          </a:effectRef>
+          <a:fontRef idx="minor">
+            <a:schemeClr val="dk1"/>
+          </a:fontRef>
+        </p:style>
+        <p:txBody>
+          <a:bodyPr rtlCol="0" anchor="ctr"/>
+          <a:lstStyle/>
+          <a:p>
+            <a:r>
+              <a:rPr lang="ja-JP" altLang="en-US" sz="900" dirty="0"/>
+              <a:t>既存データ</a:t>
+            </a:r>
+            <a:endParaRPr lang="en-US" altLang="ja-JP" sz="900" dirty="0"/>
+          </a:p>
+        </p:txBody>
+      </p:sp>
+    </p:spTree>
+    <p:extLst>
+      <p:ext uri="{BB962C8B-B14F-4D97-AF65-F5344CB8AC3E}">
+        <p14:creationId xmlns:p14="http://schemas.microsoft.com/office/powerpoint/2010/main" val="3136800061"/>
+      </p:ext>
+    </p:extLst>
+  </p:cSld>
+  <p:clrMapOvr>
+    <a:masterClrMapping/>
+  </p:clrMapOvr>
+</p:sld>
+</file>
+
+<file path=ppt/slides/slide6.xml><?xml version="1.0" encoding="utf-8"?>
+<p:sld xmlns:a="http://schemas.openxmlformats.org/drawingml/2006/main" xmlns:r="http://schemas.openxmlformats.org/officeDocument/2006/relationships" xmlns:p="http://schemas.openxmlformats.org/presentationml/2006/main">
+  <p:cSld>
+    <p:spTree>
+      <p:nvGrpSpPr>
         <p:cNvPr id="1" name=""/>
         <p:cNvGrpSpPr/>
         <p:nvPr/>
@@ -7520,13 +8833,13 @@
           <p:nvPr>
             <p:extLst>
               <p:ext uri="{D42A27DB-BD31-4B8C-83A1-F6EECF244321}">
-                <p14:modId xmlns:p14="http://schemas.microsoft.com/office/powerpoint/2010/main" val="4082681070"/>
+                <p14:modId xmlns:p14="http://schemas.microsoft.com/office/powerpoint/2010/main" val="2292604690"/>
               </p:ext>
             </p:extLst>
           </p:nvPr>
         </p:nvGraphicFramePr>
         <p:xfrm>
-          <a:off x="1092200" y="979488"/>
+          <a:off x="1029478" y="726727"/>
           <a:ext cx="7344000" cy="3447979"/>
         </p:xfrm>
         <a:graphic>
@@ -7739,7 +9052,18 @@
                     <a:lstStyle/>
                     <a:p>
                       <a:pPr algn="ctr" fontAlgn="b"/>
-                      <a:endParaRPr lang="ja-JP" altLang="en-US" sz="1100" b="0" i="0" u="none" strike="noStrike" dirty="0">
+                      <a:r>
+                        <a:rPr lang="ja-JP" altLang="en-US" sz="1100" b="0" i="0" u="none" strike="noStrike" dirty="0">
+                          <a:solidFill>
+                            <a:srgbClr val="000000"/>
+                          </a:solidFill>
+                          <a:effectLst/>
+                          <a:latin typeface="ＭＳ Ｐゴシック" panose="020B0600070205080204" pitchFamily="34" charset="-128"/>
+                          <a:ea typeface="ＭＳ Ｐゴシック" panose="020B0600070205080204" pitchFamily="34" charset="-128"/>
+                        </a:rPr>
+                        <a:t>・高品質の新商品の導入</a:t>
+                      </a:r>
+                      <a:endParaRPr lang="en-US" altLang="ja-JP" sz="1100" b="0" i="0" u="none" strike="noStrike" dirty="0">
                         <a:solidFill>
                           <a:srgbClr val="000000"/>
                         </a:solidFill>
@@ -7747,6 +9071,20 @@
                         <a:latin typeface="ＭＳ Ｐゴシック" panose="020B0600070205080204" pitchFamily="34" charset="-128"/>
                         <a:ea typeface="ＭＳ Ｐゴシック" panose="020B0600070205080204" pitchFamily="34" charset="-128"/>
                       </a:endParaRPr>
+                    </a:p>
+                    <a:p>
+                      <a:pPr algn="ctr" fontAlgn="b"/>
+                      <a:r>
+                        <a:rPr lang="ja-JP" altLang="en-US" sz="1100" b="0" i="0" u="none" strike="noStrike" dirty="0">
+                          <a:solidFill>
+                            <a:srgbClr val="000000"/>
+                          </a:solidFill>
+                          <a:effectLst/>
+                          <a:latin typeface="ＭＳ Ｐゴシック" panose="020B0600070205080204" pitchFamily="34" charset="-128"/>
+                          <a:ea typeface="ＭＳ Ｐゴシック" panose="020B0600070205080204" pitchFamily="34" charset="-128"/>
+                        </a:rPr>
+                        <a:t>・味の多様化</a:t>
+                      </a:r>
                     </a:p>
                   </a:txBody>
                   <a:tcPr marL="9525" marR="9525" marT="9525" marB="0" anchor="ctr"/>
@@ -7757,7 +9095,18 @@
                     <a:lstStyle/>
                     <a:p>
                       <a:pPr algn="ctr" fontAlgn="b"/>
-                      <a:endParaRPr lang="ja-JP" altLang="en-US" sz="1100" b="0" i="0" u="none" strike="noStrike" dirty="0">
+                      <a:r>
+                        <a:rPr lang="ja-JP" altLang="en-US" sz="1100" b="0" i="0" u="none" strike="noStrike" dirty="0">
+                          <a:solidFill>
+                            <a:srgbClr val="000000"/>
+                          </a:solidFill>
+                          <a:effectLst/>
+                          <a:latin typeface="ＭＳ Ｐゴシック" panose="020B0600070205080204" pitchFamily="34" charset="-128"/>
+                          <a:ea typeface="ＭＳ Ｐゴシック" panose="020B0600070205080204" pitchFamily="34" charset="-128"/>
+                        </a:rPr>
+                        <a:t>・定期購入向け製品開発</a:t>
+                      </a:r>
+                      <a:endParaRPr lang="en-US" altLang="ja-JP" sz="1100" b="0" i="0" u="none" strike="noStrike" dirty="0">
                         <a:solidFill>
                           <a:srgbClr val="000000"/>
                         </a:solidFill>
@@ -7765,6 +9114,20 @@
                         <a:latin typeface="ＭＳ Ｐゴシック" panose="020B0600070205080204" pitchFamily="34" charset="-128"/>
                         <a:ea typeface="ＭＳ Ｐゴシック" panose="020B0600070205080204" pitchFamily="34" charset="-128"/>
                       </a:endParaRPr>
+                    </a:p>
+                    <a:p>
+                      <a:pPr algn="ctr" fontAlgn="b"/>
+                      <a:r>
+                        <a:rPr lang="ja-JP" altLang="en-US" sz="1100" b="0" i="0" u="none" strike="noStrike" dirty="0">
+                          <a:solidFill>
+                            <a:srgbClr val="000000"/>
+                          </a:solidFill>
+                          <a:effectLst/>
+                          <a:latin typeface="ＭＳ Ｐゴシック" panose="020B0600070205080204" pitchFamily="34" charset="-128"/>
+                          <a:ea typeface="ＭＳ Ｐゴシック" panose="020B0600070205080204" pitchFamily="34" charset="-128"/>
+                        </a:rPr>
+                        <a:t>・環境配慮パッケージ</a:t>
+                      </a:r>
                     </a:p>
                   </a:txBody>
                   <a:tcPr marL="9525" marR="9525" marT="9525" marB="0" anchor="ctr"/>
@@ -7775,14 +9138,17 @@
                     <a:lstStyle/>
                     <a:p>
                       <a:pPr algn="ctr" fontAlgn="b"/>
-                      <a:endParaRPr lang="ja-JP" altLang="en-US" sz="1100" b="0" i="0" u="none" strike="noStrike">
-                        <a:solidFill>
-                          <a:srgbClr val="000000"/>
-                        </a:solidFill>
-                        <a:effectLst/>
-                        <a:latin typeface="ＭＳ Ｐゴシック" panose="020B0600070205080204" pitchFamily="34" charset="-128"/>
-                        <a:ea typeface="ＭＳ Ｐゴシック" panose="020B0600070205080204" pitchFamily="34" charset="-128"/>
-                      </a:endParaRPr>
+                      <a:r>
+                        <a:rPr lang="ja-JP" altLang="en-US" sz="1100" b="0" i="0" u="none" strike="noStrike" dirty="0">
+                          <a:solidFill>
+                            <a:srgbClr val="000000"/>
+                          </a:solidFill>
+                          <a:effectLst/>
+                          <a:latin typeface="ＭＳ Ｐゴシック" panose="020B0600070205080204" pitchFamily="34" charset="-128"/>
+                          <a:ea typeface="ＭＳ Ｐゴシック" panose="020B0600070205080204" pitchFamily="34" charset="-128"/>
+                        </a:rPr>
+                        <a:t>・味の更なる改善</a:t>
+                      </a:r>
                     </a:p>
                   </a:txBody>
                   <a:tcPr marL="9525" marR="9525" marT="9525" marB="0" anchor="ctr"/>
@@ -7824,14 +9190,17 @@
                     <a:lstStyle/>
                     <a:p>
                       <a:pPr algn="ctr" fontAlgn="b"/>
-                      <a:endParaRPr lang="ja-JP" altLang="en-US" sz="1100" b="0" i="0" u="none" strike="noStrike" dirty="0">
-                        <a:solidFill>
-                          <a:srgbClr val="000000"/>
-                        </a:solidFill>
-                        <a:effectLst/>
-                        <a:latin typeface="ＭＳ Ｐゴシック" panose="020B0600070205080204" pitchFamily="34" charset="-128"/>
-                        <a:ea typeface="ＭＳ Ｐゴシック" panose="020B0600070205080204" pitchFamily="34" charset="-128"/>
-                      </a:endParaRPr>
+                      <a:r>
+                        <a:rPr lang="ja-JP" altLang="en-US" sz="1100" b="0" i="0" u="none" strike="noStrike" dirty="0">
+                          <a:solidFill>
+                            <a:srgbClr val="000000"/>
+                          </a:solidFill>
+                          <a:effectLst/>
+                          <a:latin typeface="ＭＳ Ｐゴシック" panose="020B0600070205080204" pitchFamily="34" charset="-128"/>
+                          <a:ea typeface="ＭＳ Ｐゴシック" panose="020B0600070205080204" pitchFamily="34" charset="-128"/>
+                        </a:rPr>
+                        <a:t>プレミアム価格設定</a:t>
+                      </a:r>
                     </a:p>
                   </a:txBody>
                   <a:tcPr marL="9525" marR="9525" marT="9525" marB="0" anchor="ctr"/>
@@ -7842,14 +9211,17 @@
                     <a:lstStyle/>
                     <a:p>
                       <a:pPr algn="ctr" fontAlgn="b"/>
-                      <a:endParaRPr lang="ja-JP" altLang="en-US" sz="1100" b="0" i="0" u="none" strike="noStrike" dirty="0">
-                        <a:solidFill>
-                          <a:srgbClr val="000000"/>
-                        </a:solidFill>
-                        <a:effectLst/>
-                        <a:latin typeface="ＭＳ Ｐゴシック" panose="020B0600070205080204" pitchFamily="34" charset="-128"/>
-                        <a:ea typeface="ＭＳ Ｐゴシック" panose="020B0600070205080204" pitchFamily="34" charset="-128"/>
-                      </a:endParaRPr>
+                      <a:r>
+                        <a:rPr lang="ja-JP" altLang="en-US" sz="1100" b="0" i="0" u="none" strike="noStrike" dirty="0">
+                          <a:solidFill>
+                            <a:srgbClr val="000000"/>
+                          </a:solidFill>
+                          <a:effectLst/>
+                          <a:latin typeface="ＭＳ Ｐゴシック" panose="020B0600070205080204" pitchFamily="34" charset="-128"/>
+                          <a:ea typeface="ＭＳ Ｐゴシック" panose="020B0600070205080204" pitchFamily="34" charset="-128"/>
+                        </a:rPr>
+                        <a:t>・購入頻度に応じた価格設定</a:t>
+                      </a:r>
                     </a:p>
                   </a:txBody>
                   <a:tcPr marL="9525" marR="9525" marT="9525" marB="0" anchor="ctr"/>
@@ -7909,7 +9281,18 @@
                     <a:lstStyle/>
                     <a:p>
                       <a:pPr algn="ctr" fontAlgn="b"/>
-                      <a:endParaRPr lang="ja-JP" altLang="en-US" sz="1100" b="0" i="0" u="none" strike="noStrike" dirty="0">
+                      <a:r>
+                        <a:rPr lang="ja-JP" altLang="en-US" sz="1100" b="0" i="0" u="none" strike="noStrike" dirty="0">
+                          <a:solidFill>
+                            <a:srgbClr val="000000"/>
+                          </a:solidFill>
+                          <a:effectLst/>
+                          <a:latin typeface="ＭＳ Ｐゴシック" panose="020B0600070205080204" pitchFamily="34" charset="-128"/>
+                          <a:ea typeface="ＭＳ Ｐゴシック" panose="020B0600070205080204" pitchFamily="34" charset="-128"/>
+                        </a:rPr>
+                        <a:t>・オンラインストア強化</a:t>
+                      </a:r>
+                      <a:endParaRPr lang="en-US" altLang="ja-JP" sz="1100" b="0" i="0" u="none" strike="noStrike" dirty="0">
                         <a:solidFill>
                           <a:srgbClr val="000000"/>
                         </a:solidFill>
@@ -7917,6 +9300,31 @@
                         <a:latin typeface="ＭＳ Ｐゴシック" panose="020B0600070205080204" pitchFamily="34" charset="-128"/>
                         <a:ea typeface="ＭＳ Ｐゴシック" panose="020B0600070205080204" pitchFamily="34" charset="-128"/>
                       </a:endParaRPr>
+                    </a:p>
+                    <a:p>
+                      <a:pPr algn="ctr" fontAlgn="b"/>
+                      <a:r>
+                        <a:rPr lang="en-US" altLang="ja-JP" sz="1100" b="0" i="0" u="none" strike="noStrike" dirty="0">
+                          <a:solidFill>
+                            <a:srgbClr val="000000"/>
+                          </a:solidFill>
+                          <a:effectLst/>
+                          <a:latin typeface="ＭＳ Ｐゴシック" panose="020B0600070205080204" pitchFamily="34" charset="-128"/>
+                          <a:ea typeface="ＭＳ Ｐゴシック" panose="020B0600070205080204" pitchFamily="34" charset="-128"/>
+                        </a:rPr>
+                        <a:t>SNS</a:t>
+                      </a:r>
+                      <a:r>
+                        <a:rPr lang="ja-JP" altLang="en-US" sz="1100" b="0" i="0" u="none" strike="noStrike" dirty="0">
+                          <a:solidFill>
+                            <a:srgbClr val="000000"/>
+                          </a:solidFill>
+                          <a:effectLst/>
+                          <a:latin typeface="ＭＳ Ｐゴシック" panose="020B0600070205080204" pitchFamily="34" charset="-128"/>
+                          <a:ea typeface="ＭＳ Ｐゴシック" panose="020B0600070205080204" pitchFamily="34" charset="-128"/>
+                        </a:rPr>
+                        <a:t>販売拡大</a:t>
+                      </a:r>
                     </a:p>
                   </a:txBody>
                   <a:tcPr marL="9525" marR="9525" marT="9525" marB="0" anchor="ctr"/>
@@ -7927,14 +9335,17 @@
                     <a:lstStyle/>
                     <a:p>
                       <a:pPr algn="ctr" fontAlgn="b"/>
-                      <a:endParaRPr lang="ja-JP" altLang="en-US" sz="1100" b="0" i="0" u="none" strike="noStrike" dirty="0">
-                        <a:solidFill>
-                          <a:srgbClr val="000000"/>
-                        </a:solidFill>
-                        <a:effectLst/>
-                        <a:latin typeface="ＭＳ Ｐゴシック" panose="020B0600070205080204" pitchFamily="34" charset="-128"/>
-                        <a:ea typeface="ＭＳ Ｐゴシック" panose="020B0600070205080204" pitchFamily="34" charset="-128"/>
-                      </a:endParaRPr>
+                      <a:r>
+                        <a:rPr lang="ja-JP" altLang="en-US" sz="1100" b="0" i="0" u="none" strike="noStrike" dirty="0">
+                          <a:solidFill>
+                            <a:srgbClr val="000000"/>
+                          </a:solidFill>
+                          <a:effectLst/>
+                          <a:latin typeface="ＭＳ Ｐゴシック" panose="020B0600070205080204" pitchFamily="34" charset="-128"/>
+                          <a:ea typeface="ＭＳ Ｐゴシック" panose="020B0600070205080204" pitchFamily="34" charset="-128"/>
+                        </a:rPr>
+                        <a:t>・オムニチャネル戦略</a:t>
+                      </a:r>
                     </a:p>
                   </a:txBody>
                   <a:tcPr marL="9525" marR="9525" marT="9525" marB="0" anchor="ctr"/>
@@ -7994,6 +9405,159 @@
                     <a:lstStyle/>
                     <a:p>
                       <a:pPr algn="ctr" fontAlgn="b"/>
+                      <a:r>
+                        <a:rPr lang="ja-JP" altLang="en-US" sz="1100" b="0" i="0" u="none" strike="noStrike" dirty="0">
+                          <a:solidFill>
+                            <a:srgbClr val="000000"/>
+                          </a:solidFill>
+                          <a:effectLst/>
+                          <a:latin typeface="ＭＳ Ｐゴシック" panose="020B0600070205080204" pitchFamily="34" charset="-128"/>
+                          <a:ea typeface="ＭＳ Ｐゴシック" panose="020B0600070205080204" pitchFamily="34" charset="-128"/>
+                        </a:rPr>
+                        <a:t>・インフルエンサー活用</a:t>
+                      </a:r>
+                      <a:endParaRPr lang="en-US" altLang="ja-JP" sz="1100" b="0" i="0" u="none" strike="noStrike" dirty="0">
+                        <a:solidFill>
+                          <a:srgbClr val="000000"/>
+                        </a:solidFill>
+                        <a:effectLst/>
+                        <a:latin typeface="ＭＳ Ｐゴシック" panose="020B0600070205080204" pitchFamily="34" charset="-128"/>
+                        <a:ea typeface="ＭＳ Ｐゴシック" panose="020B0600070205080204" pitchFamily="34" charset="-128"/>
+                      </a:endParaRPr>
+                    </a:p>
+                    <a:p>
+                      <a:pPr algn="ctr" fontAlgn="b"/>
+                      <a:r>
+                        <a:rPr lang="ja-JP" altLang="en-US" sz="1100" b="0" i="0" u="none" strike="noStrike" dirty="0">
+                          <a:solidFill>
+                            <a:srgbClr val="000000"/>
+                          </a:solidFill>
+                          <a:effectLst/>
+                          <a:latin typeface="ＭＳ Ｐゴシック" panose="020B0600070205080204" pitchFamily="34" charset="-128"/>
+                          <a:ea typeface="ＭＳ Ｐゴシック" panose="020B0600070205080204" pitchFamily="34" charset="-128"/>
+                        </a:rPr>
+                        <a:t>・ユーザー参加型</a:t>
+                      </a:r>
+                      <a:r>
+                        <a:rPr lang="en-US" altLang="ja-JP" sz="1100" b="0" i="0" u="none" strike="noStrike" dirty="0">
+                          <a:solidFill>
+                            <a:srgbClr val="000000"/>
+                          </a:solidFill>
+                          <a:effectLst/>
+                          <a:latin typeface="ＭＳ Ｐゴシック" panose="020B0600070205080204" pitchFamily="34" charset="-128"/>
+                          <a:ea typeface="ＭＳ Ｐゴシック" panose="020B0600070205080204" pitchFamily="34" charset="-128"/>
+                        </a:rPr>
+                        <a:t>SNS</a:t>
+                      </a:r>
+                      <a:r>
+                        <a:rPr lang="ja-JP" altLang="en-US" sz="1100" b="0" i="0" u="none" strike="noStrike" dirty="0">
+                          <a:solidFill>
+                            <a:srgbClr val="000000"/>
+                          </a:solidFill>
+                          <a:effectLst/>
+                          <a:latin typeface="ＭＳ Ｐゴシック" panose="020B0600070205080204" pitchFamily="34" charset="-128"/>
+                          <a:ea typeface="ＭＳ Ｐゴシック" panose="020B0600070205080204" pitchFamily="34" charset="-128"/>
+                        </a:rPr>
+                        <a:t>キャンペーン</a:t>
+                      </a:r>
+                      <a:endParaRPr lang="en-US" altLang="ja-JP" sz="1100" b="0" i="0" u="none" strike="noStrike" dirty="0">
+                        <a:solidFill>
+                          <a:srgbClr val="000000"/>
+                        </a:solidFill>
+                        <a:effectLst/>
+                        <a:latin typeface="ＭＳ Ｐゴシック" panose="020B0600070205080204" pitchFamily="34" charset="-128"/>
+                        <a:ea typeface="ＭＳ Ｐゴシック" panose="020B0600070205080204" pitchFamily="34" charset="-128"/>
+                      </a:endParaRPr>
+                    </a:p>
+                    <a:p>
+                      <a:pPr algn="ctr" fontAlgn="b"/>
+                      <a:r>
+                        <a:rPr lang="ja-JP" altLang="en-US" sz="1100" b="0" i="0" u="none" strike="noStrike" dirty="0">
+                          <a:solidFill>
+                            <a:srgbClr val="000000"/>
+                          </a:solidFill>
+                          <a:effectLst/>
+                          <a:latin typeface="ＭＳ Ｐゴシック" panose="020B0600070205080204" pitchFamily="34" charset="-128"/>
+                          <a:ea typeface="ＭＳ Ｐゴシック" panose="020B0600070205080204" pitchFamily="34" charset="-128"/>
+                        </a:rPr>
+                        <a:t>・ロイヤリティプログラム</a:t>
+                      </a:r>
+                    </a:p>
+                  </a:txBody>
+                  <a:tcPr marL="9525" marR="9525" marT="9525" marB="0" anchor="ctr"/>
+                </a:tc>
+                <a:tc>
+                  <a:txBody>
+                    <a:bodyPr/>
+                    <a:lstStyle/>
+                    <a:p>
+                      <a:pPr algn="ctr" fontAlgn="b"/>
+                      <a:r>
+                        <a:rPr lang="ja-JP" altLang="en-US" sz="1100" b="0" i="0" u="none" strike="noStrike" dirty="0">
+                          <a:solidFill>
+                            <a:srgbClr val="000000"/>
+                          </a:solidFill>
+                          <a:effectLst/>
+                          <a:latin typeface="ＭＳ Ｐゴシック" panose="020B0600070205080204" pitchFamily="34" charset="-128"/>
+                          <a:ea typeface="ＭＳ Ｐゴシック" panose="020B0600070205080204" pitchFamily="34" charset="-128"/>
+                        </a:rPr>
+                        <a:t>・ブランドストーリー強化</a:t>
+                      </a:r>
+                      <a:endParaRPr lang="en-US" altLang="ja-JP" sz="1100" b="0" i="0" u="none" strike="noStrike" dirty="0">
+                        <a:solidFill>
+                          <a:srgbClr val="000000"/>
+                        </a:solidFill>
+                        <a:effectLst/>
+                        <a:latin typeface="ＭＳ Ｐゴシック" panose="020B0600070205080204" pitchFamily="34" charset="-128"/>
+                        <a:ea typeface="ＭＳ Ｐゴシック" panose="020B0600070205080204" pitchFamily="34" charset="-128"/>
+                      </a:endParaRPr>
+                    </a:p>
+                    <a:p>
+                      <a:pPr algn="ctr" fontAlgn="b"/>
+                      <a:r>
+                        <a:rPr lang="ja-JP" altLang="en-US" sz="1100" b="0" i="0" u="none" strike="noStrike" dirty="0">
+                          <a:solidFill>
+                            <a:srgbClr val="000000"/>
+                          </a:solidFill>
+                          <a:effectLst/>
+                          <a:latin typeface="ＭＳ Ｐゴシック" panose="020B0600070205080204" pitchFamily="34" charset="-128"/>
+                          <a:ea typeface="ＭＳ Ｐゴシック" panose="020B0600070205080204" pitchFamily="34" charset="-128"/>
+                        </a:rPr>
+                        <a:t>・口コミ強化</a:t>
+                      </a:r>
+                      <a:endParaRPr lang="en-US" altLang="ja-JP" sz="1100" b="0" i="0" u="none" strike="noStrike" dirty="0">
+                        <a:solidFill>
+                          <a:srgbClr val="000000"/>
+                        </a:solidFill>
+                        <a:effectLst/>
+                        <a:latin typeface="ＭＳ Ｐゴシック" panose="020B0600070205080204" pitchFamily="34" charset="-128"/>
+                        <a:ea typeface="ＭＳ Ｐゴシック" panose="020B0600070205080204" pitchFamily="34" charset="-128"/>
+                      </a:endParaRPr>
+                    </a:p>
+                    <a:p>
+                      <a:pPr algn="ctr" fontAlgn="b"/>
+                      <a:r>
+                        <a:rPr lang="ja-JP" altLang="en-US" sz="1100" b="0" i="0" u="none" strike="noStrike" dirty="0">
+                          <a:solidFill>
+                            <a:srgbClr val="000000"/>
+                          </a:solidFill>
+                          <a:effectLst/>
+                          <a:latin typeface="ＭＳ Ｐゴシック" panose="020B0600070205080204" pitchFamily="34" charset="-128"/>
+                          <a:ea typeface="ＭＳ Ｐゴシック" panose="020B0600070205080204" pitchFamily="34" charset="-128"/>
+                        </a:rPr>
+                        <a:t>・パーソナライズドリマーケティング</a:t>
+                      </a:r>
+                      <a:r>
+                        <a:rPr lang="en-US" altLang="ja-JP" sz="1100" b="0" i="0" u="none" strike="noStrike" dirty="0">
+                          <a:solidFill>
+                            <a:srgbClr val="000000"/>
+                          </a:solidFill>
+                          <a:effectLst/>
+                          <a:latin typeface="ＭＳ Ｐゴシック" panose="020B0600070205080204" pitchFamily="34" charset="-128"/>
+                          <a:ea typeface="ＭＳ Ｐゴシック" panose="020B0600070205080204" pitchFamily="34" charset="-128"/>
+                        </a:rPr>
+                        <a:t>※2</a:t>
+                      </a:r>
                       <a:endParaRPr lang="ja-JP" altLang="en-US" sz="1100" b="0" i="0" u="none" strike="noStrike" dirty="0">
                         <a:solidFill>
                           <a:srgbClr val="000000"/>
@@ -8012,32 +9576,86 @@
                     <a:lstStyle/>
                     <a:p>
                       <a:pPr algn="ctr" fontAlgn="b"/>
-                      <a:endParaRPr lang="ja-JP" altLang="en-US" sz="1100" b="0" i="0" u="none" strike="noStrike" dirty="0">
-                        <a:solidFill>
-                          <a:srgbClr val="000000"/>
-                        </a:solidFill>
-                        <a:effectLst/>
-                        <a:latin typeface="ＭＳ Ｐゴシック" panose="020B0600070205080204" pitchFamily="34" charset="-128"/>
-                        <a:ea typeface="ＭＳ Ｐゴシック" panose="020B0600070205080204" pitchFamily="34" charset="-128"/>
-                      </a:endParaRPr>
+                      <a:r>
+                        <a:rPr lang="ja-JP" altLang="en-US" sz="1100" b="0" i="0" u="none" strike="noStrike" dirty="0">
+                          <a:solidFill>
+                            <a:srgbClr val="000000"/>
+                          </a:solidFill>
+                          <a:effectLst/>
+                          <a:latin typeface="ＭＳ Ｐゴシック" panose="020B0600070205080204" pitchFamily="34" charset="-128"/>
+                          <a:ea typeface="ＭＳ Ｐゴシック" panose="020B0600070205080204" pitchFamily="34" charset="-128"/>
+                        </a:rPr>
+                        <a:t>・</a:t>
+                      </a:r>
+                      <a:r>
+                        <a:rPr lang="en-US" altLang="ja-JP" sz="1100" b="0" i="0" u="none" strike="noStrike" dirty="0">
+                          <a:solidFill>
+                            <a:srgbClr val="000000"/>
+                          </a:solidFill>
+                          <a:effectLst/>
+                          <a:latin typeface="ＭＳ Ｐゴシック" panose="020B0600070205080204" pitchFamily="34" charset="-128"/>
+                          <a:ea typeface="ＭＳ Ｐゴシック" panose="020B0600070205080204" pitchFamily="34" charset="-128"/>
+                        </a:rPr>
+                        <a:t>UGC</a:t>
+                      </a:r>
+                      <a:r>
+                        <a:rPr lang="ja-JP" altLang="en-US" sz="1100" b="0" i="0" u="none" strike="noStrike" dirty="0">
+                          <a:solidFill>
+                            <a:srgbClr val="000000"/>
+                          </a:solidFill>
+                          <a:effectLst/>
+                          <a:latin typeface="ＭＳ Ｐゴシック" panose="020B0600070205080204" pitchFamily="34" charset="-128"/>
+                          <a:ea typeface="ＭＳ Ｐゴシック" panose="020B0600070205080204" pitchFamily="34" charset="-128"/>
+                        </a:rPr>
+                        <a:t>促進</a:t>
+                      </a:r>
+                      <a:r>
+                        <a:rPr lang="en-US" altLang="ja-JP" sz="1100" b="0" i="0" u="none" strike="noStrike" dirty="0">
+                          <a:solidFill>
+                            <a:srgbClr val="000000"/>
+                          </a:solidFill>
+                          <a:effectLst/>
+                          <a:latin typeface="ＭＳ Ｐゴシック" panose="020B0600070205080204" pitchFamily="34" charset="-128"/>
+                          <a:ea typeface="ＭＳ Ｐゴシック" panose="020B0600070205080204" pitchFamily="34" charset="-128"/>
+                        </a:rPr>
+                        <a:t>※1</a:t>
+                      </a:r>
                     </a:p>
-                  </a:txBody>
-                  <a:tcPr marL="9525" marR="9525" marT="9525" marB="0" anchor="ctr"/>
-                </a:tc>
-                <a:tc>
-                  <a:txBody>
-                    <a:bodyPr/>
-                    <a:lstStyle/>
                     <a:p>
                       <a:pPr algn="ctr" fontAlgn="b"/>
-                      <a:endParaRPr lang="ja-JP" altLang="en-US" sz="1100" b="0" i="0" u="none" strike="noStrike" dirty="0">
-                        <a:solidFill>
-                          <a:srgbClr val="000000"/>
-                        </a:solidFill>
-                        <a:effectLst/>
-                        <a:latin typeface="ＭＳ Ｐゴシック" panose="020B0600070205080204" pitchFamily="34" charset="-128"/>
-                        <a:ea typeface="ＭＳ Ｐゴシック" panose="020B0600070205080204" pitchFamily="34" charset="-128"/>
-                      </a:endParaRPr>
+                      <a:r>
+                        <a:rPr lang="ja-JP" altLang="en-US" sz="1100" b="0" i="0" u="none" strike="noStrike" dirty="0">
+                          <a:solidFill>
+                            <a:srgbClr val="000000"/>
+                          </a:solidFill>
+                          <a:effectLst/>
+                          <a:latin typeface="ＭＳ Ｐゴシック" panose="020B0600070205080204" pitchFamily="34" charset="-128"/>
+                          <a:ea typeface="ＭＳ Ｐゴシック" panose="020B0600070205080204" pitchFamily="34" charset="-128"/>
+                        </a:rPr>
+                        <a:t>・段階別メール、</a:t>
+                      </a:r>
+                      <a:r>
+                        <a:rPr lang="en-US" altLang="ja-JP" sz="1100" b="0" i="0" u="none" strike="noStrike" dirty="0">
+                          <a:solidFill>
+                            <a:srgbClr val="000000"/>
+                          </a:solidFill>
+                          <a:effectLst/>
+                          <a:latin typeface="ＭＳ Ｐゴシック" panose="020B0600070205080204" pitchFamily="34" charset="-128"/>
+                          <a:ea typeface="ＭＳ Ｐゴシック" panose="020B0600070205080204" pitchFamily="34" charset="-128"/>
+                        </a:rPr>
+                        <a:t>SNS</a:t>
+                      </a:r>
+                      <a:r>
+                        <a:rPr lang="ja-JP" altLang="en-US" sz="1100" b="0" i="0" u="none" strike="noStrike" dirty="0">
+                          <a:solidFill>
+                            <a:srgbClr val="000000"/>
+                          </a:solidFill>
+                          <a:effectLst/>
+                          <a:latin typeface="ＭＳ Ｐゴシック" panose="020B0600070205080204" pitchFamily="34" charset="-128"/>
+                          <a:ea typeface="ＭＳ Ｐゴシック" panose="020B0600070205080204" pitchFamily="34" charset="-128"/>
+                        </a:rPr>
+                        <a:t>マーケティング</a:t>
+                      </a:r>
                     </a:p>
                   </a:txBody>
                   <a:tcPr marL="9525" marR="9525" marT="9525" marB="0" anchor="ctr"/>
@@ -8052,6 +9670,232 @@
           </a:graphicData>
         </a:graphic>
       </p:graphicFrame>
+      <p:sp>
+        <p:nvSpPr>
+          <p:cNvPr id="4" name="テキスト ボックス 3">
+            <a:extLst>
+              <a:ext uri="{FF2B5EF4-FFF2-40B4-BE49-F238E27FC236}">
+                <a16:creationId xmlns:a16="http://schemas.microsoft.com/office/drawing/2014/main" id="{E91E6564-7F64-F099-15BF-E5B3BFAE581E}"/>
+              </a:ext>
+            </a:extLst>
+          </p:cNvPr>
+          <p:cNvSpPr txBox="1"/>
+          <p:nvPr/>
+        </p:nvSpPr>
+        <p:spPr>
+          <a:xfrm>
+            <a:off x="323655" y="4252331"/>
+            <a:ext cx="8463506" cy="784830"/>
+          </a:xfrm>
+          <a:prstGeom prst="rect">
+            <a:avLst/>
+          </a:prstGeom>
+          <a:noFill/>
+        </p:spPr>
+        <p:txBody>
+          <a:bodyPr wrap="square" rtlCol="0">
+            <a:spAutoFit/>
+          </a:bodyPr>
+          <a:lstStyle/>
+          <a:p>
+            <a:r>
+              <a:rPr kumimoji="1" lang="en-US" altLang="ja-JP" sz="900" dirty="0">
+                <a:latin typeface="メイリオ" panose="020B0604030504040204" pitchFamily="50" charset="-128"/>
+                <a:ea typeface="メイリオ" panose="020B0604030504040204" pitchFamily="50" charset="-128"/>
+              </a:rPr>
+              <a:t>※1UGC:</a:t>
+            </a:r>
+            <a:r>
+              <a:rPr lang="ja-JP" altLang="en-US" sz="900" b="0" i="0" dirty="0">
+                <a:solidFill>
+                  <a:srgbClr val="001D35"/>
+                </a:solidFill>
+                <a:effectLst/>
+                <a:latin typeface="メイリオ" panose="020B0604030504040204" pitchFamily="50" charset="-128"/>
+                <a:ea typeface="メイリオ" panose="020B0604030504040204" pitchFamily="50" charset="-128"/>
+              </a:rPr>
+              <a:t>「</a:t>
+            </a:r>
+            <a:r>
+              <a:rPr lang="en-US" altLang="ja-JP" sz="900" b="0" i="0" dirty="0">
+                <a:solidFill>
+                  <a:srgbClr val="001D35"/>
+                </a:solidFill>
+                <a:effectLst/>
+                <a:latin typeface="メイリオ" panose="020B0604030504040204" pitchFamily="50" charset="-128"/>
+                <a:ea typeface="メイリオ" panose="020B0604030504040204" pitchFamily="50" charset="-128"/>
+              </a:rPr>
+              <a:t>User Generated Content</a:t>
+            </a:r>
+            <a:r>
+              <a:rPr lang="ja-JP" altLang="en-US" sz="900" b="0" i="0" dirty="0">
+                <a:solidFill>
+                  <a:srgbClr val="001D35"/>
+                </a:solidFill>
+                <a:effectLst/>
+                <a:latin typeface="メイリオ" panose="020B0604030504040204" pitchFamily="50" charset="-128"/>
+                <a:ea typeface="メイリオ" panose="020B0604030504040204" pitchFamily="50" charset="-128"/>
+              </a:rPr>
+              <a:t>」の略で、ユーザーが生成したコンテンツを意味します。</a:t>
+            </a:r>
+            <a:r>
+              <a:rPr lang="en-US" altLang="ja-JP" sz="900" b="0" i="0" dirty="0">
+                <a:solidFill>
+                  <a:srgbClr val="001D35"/>
+                </a:solidFill>
+                <a:effectLst/>
+                <a:latin typeface="メイリオ" panose="020B0604030504040204" pitchFamily="50" charset="-128"/>
+                <a:ea typeface="メイリオ" panose="020B0604030504040204" pitchFamily="50" charset="-128"/>
+              </a:rPr>
+              <a:t>SNS</a:t>
+            </a:r>
+            <a:r>
+              <a:rPr lang="ja-JP" altLang="en-US" sz="900" b="0" i="0" dirty="0">
+                <a:solidFill>
+                  <a:srgbClr val="001D35"/>
+                </a:solidFill>
+                <a:effectLst/>
+                <a:latin typeface="メイリオ" panose="020B0604030504040204" pitchFamily="50" charset="-128"/>
+                <a:ea typeface="メイリオ" panose="020B0604030504040204" pitchFamily="50" charset="-128"/>
+              </a:rPr>
+              <a:t>の投稿や口コミサイトのレビュー、ブログ記事などが</a:t>
+            </a:r>
+            <a:r>
+              <a:rPr lang="en-US" altLang="ja-JP" sz="900" b="0" i="0" dirty="0">
+                <a:solidFill>
+                  <a:srgbClr val="001D35"/>
+                </a:solidFill>
+                <a:effectLst/>
+                <a:latin typeface="メイリオ" panose="020B0604030504040204" pitchFamily="50" charset="-128"/>
+                <a:ea typeface="メイリオ" panose="020B0604030504040204" pitchFamily="50" charset="-128"/>
+              </a:rPr>
+              <a:t>UGC</a:t>
+            </a:r>
+            <a:r>
+              <a:rPr lang="ja-JP" altLang="en-US" sz="900" b="0" i="0" dirty="0">
+                <a:solidFill>
+                  <a:srgbClr val="001D35"/>
+                </a:solidFill>
+                <a:effectLst/>
+                <a:latin typeface="メイリオ" panose="020B0604030504040204" pitchFamily="50" charset="-128"/>
+                <a:ea typeface="メイリオ" panose="020B0604030504040204" pitchFamily="50" charset="-128"/>
+              </a:rPr>
+              <a:t>の具体例</a:t>
+            </a:r>
+            <a:endParaRPr lang="en-US" altLang="ja-JP" sz="900" b="0" i="0" dirty="0">
+              <a:solidFill>
+                <a:srgbClr val="001D35"/>
+              </a:solidFill>
+              <a:effectLst/>
+              <a:latin typeface="メイリオ" panose="020B0604030504040204" pitchFamily="50" charset="-128"/>
+              <a:ea typeface="メイリオ" panose="020B0604030504040204" pitchFamily="50" charset="-128"/>
+            </a:endParaRPr>
+          </a:p>
+          <a:p>
+            <a:r>
+              <a:rPr kumimoji="1" lang="en-US" altLang="ja-JP" sz="900" dirty="0">
+                <a:solidFill>
+                  <a:srgbClr val="001D35"/>
+                </a:solidFill>
+                <a:latin typeface="メイリオ" panose="020B0604030504040204" pitchFamily="50" charset="-128"/>
+                <a:ea typeface="メイリオ" panose="020B0604030504040204" pitchFamily="50" charset="-128"/>
+              </a:rPr>
+              <a:t>※2</a:t>
+            </a:r>
+            <a:r>
+              <a:rPr lang="ja-JP" altLang="en-US" sz="900" b="0" i="0" u="none" strike="noStrike" dirty="0">
+                <a:solidFill>
+                  <a:srgbClr val="000000"/>
+                </a:solidFill>
+                <a:effectLst/>
+                <a:latin typeface="メイリオ" panose="020B0604030504040204" pitchFamily="50" charset="-128"/>
+                <a:ea typeface="メイリオ" panose="020B0604030504040204" pitchFamily="50" charset="-128"/>
+              </a:rPr>
+              <a:t>パーソナライズドリマーケティング：</a:t>
+            </a:r>
+            <a:r>
+              <a:rPr lang="ja-JP" altLang="en-US" sz="900" b="0" i="0" dirty="0">
+                <a:solidFill>
+                  <a:srgbClr val="001D35"/>
+                </a:solidFill>
+                <a:effectLst/>
+                <a:latin typeface="メイリオ" panose="020B0604030504040204" pitchFamily="50" charset="-128"/>
+                <a:ea typeface="メイリオ" panose="020B0604030504040204" pitchFamily="50" charset="-128"/>
+              </a:rPr>
+              <a:t>顧客の属性や嗜好、購買履歴、行動履歴などの情報に基づいて、個々の顧客に最適な情報やサービスを提供するマーケティング手法</a:t>
+            </a:r>
+            <a:endParaRPr lang="en-US" altLang="ja-JP" sz="900" b="0" i="0" dirty="0">
+              <a:solidFill>
+                <a:srgbClr val="001D35"/>
+              </a:solidFill>
+              <a:effectLst/>
+              <a:latin typeface="メイリオ" panose="020B0604030504040204" pitchFamily="50" charset="-128"/>
+              <a:ea typeface="メイリオ" panose="020B0604030504040204" pitchFamily="50" charset="-128"/>
+            </a:endParaRPr>
+          </a:p>
+          <a:p>
+            <a:r>
+              <a:rPr lang="ja-JP" altLang="en-US" sz="900" b="0" i="0" dirty="0">
+                <a:solidFill>
+                  <a:srgbClr val="001D35"/>
+                </a:solidFill>
+                <a:effectLst/>
+                <a:latin typeface="メイリオ" panose="020B0604030504040204" pitchFamily="50" charset="-128"/>
+                <a:ea typeface="メイリオ" panose="020B0604030504040204" pitchFamily="50" charset="-128"/>
+              </a:rPr>
+              <a:t>パーソナライズド広告、メールマーケティングのパーソナライズ化、</a:t>
+            </a:r>
+            <a:r>
+              <a:rPr lang="en-US" altLang="ja-JP" sz="900" b="0" i="0" dirty="0">
+                <a:solidFill>
+                  <a:srgbClr val="001D35"/>
+                </a:solidFill>
+                <a:effectLst/>
+                <a:latin typeface="メイリオ" panose="020B0604030504040204" pitchFamily="50" charset="-128"/>
+                <a:ea typeface="メイリオ" panose="020B0604030504040204" pitchFamily="50" charset="-128"/>
+              </a:rPr>
+              <a:t>EC</a:t>
+            </a:r>
+            <a:r>
+              <a:rPr lang="ja-JP" altLang="en-US" sz="900" b="0" i="0" dirty="0">
+                <a:solidFill>
+                  <a:srgbClr val="001D35"/>
+                </a:solidFill>
+                <a:effectLst/>
+                <a:latin typeface="メイリオ" panose="020B0604030504040204" pitchFamily="50" charset="-128"/>
+                <a:ea typeface="メイリオ" panose="020B0604030504040204" pitchFamily="50" charset="-128"/>
+              </a:rPr>
+              <a:t>サイトにおける商品のレコメンド表示、 </a:t>
+            </a:r>
+            <a:r>
+              <a:rPr lang="en-US" altLang="ja-JP" sz="900" b="0" i="0" dirty="0">
+                <a:solidFill>
+                  <a:srgbClr val="001D35"/>
+                </a:solidFill>
+                <a:effectLst/>
+                <a:latin typeface="メイリオ" panose="020B0604030504040204" pitchFamily="50" charset="-128"/>
+                <a:ea typeface="メイリオ" panose="020B0604030504040204" pitchFamily="50" charset="-128"/>
+              </a:rPr>
+              <a:t>SNS</a:t>
+            </a:r>
+            <a:r>
+              <a:rPr lang="ja-JP" altLang="en-US" sz="900" b="0" i="0" dirty="0">
+                <a:solidFill>
+                  <a:srgbClr val="001D35"/>
+                </a:solidFill>
+                <a:effectLst/>
+                <a:latin typeface="メイリオ" panose="020B0604030504040204" pitchFamily="50" charset="-128"/>
+                <a:ea typeface="メイリオ" panose="020B0604030504040204" pitchFamily="50" charset="-128"/>
+              </a:rPr>
+              <a:t>におけるパーソナライズ表示が具体例</a:t>
+            </a:r>
+            <a:endParaRPr kumimoji="1" lang="ja-JP" altLang="en-US" sz="900" dirty="0">
+              <a:latin typeface="メイリオ" panose="020B0604030504040204" pitchFamily="50" charset="-128"/>
+              <a:ea typeface="メイリオ" panose="020B0604030504040204" pitchFamily="50" charset="-128"/>
+            </a:endParaRPr>
+          </a:p>
+        </p:txBody>
+      </p:sp>
     </p:spTree>
     <p:extLst>
       <p:ext uri="{BB962C8B-B14F-4D97-AF65-F5344CB8AC3E}">
